--- a/presentation.pptx
+++ b/presentation.pptx
@@ -5,27 +5,29 @@
     <p:sldMasterId id="2147483648" r:id="rId1"/>
   </p:sldMasterIdLst>
   <p:notesMasterIdLst>
-    <p:notesMasterId r:id="rId20"/>
+    <p:notesMasterId r:id="rId22"/>
   </p:notesMasterIdLst>
   <p:sldIdLst>
     <p:sldId id="256" r:id="rId2"/>
     <p:sldId id="257" r:id="rId3"/>
-    <p:sldId id="258" r:id="rId4"/>
-    <p:sldId id="259" r:id="rId5"/>
-    <p:sldId id="264" r:id="rId6"/>
-    <p:sldId id="265" r:id="rId7"/>
-    <p:sldId id="266" r:id="rId8"/>
-    <p:sldId id="267" r:id="rId9"/>
-    <p:sldId id="260" r:id="rId10"/>
-    <p:sldId id="268" r:id="rId11"/>
-    <p:sldId id="269" r:id="rId12"/>
-    <p:sldId id="270" r:id="rId13"/>
-    <p:sldId id="271" r:id="rId14"/>
-    <p:sldId id="272" r:id="rId15"/>
-    <p:sldId id="273" r:id="rId16"/>
-    <p:sldId id="261" r:id="rId17"/>
-    <p:sldId id="262" r:id="rId18"/>
-    <p:sldId id="263" r:id="rId19"/>
+    <p:sldId id="274" r:id="rId4"/>
+    <p:sldId id="275" r:id="rId5"/>
+    <p:sldId id="258" r:id="rId6"/>
+    <p:sldId id="259" r:id="rId7"/>
+    <p:sldId id="264" r:id="rId8"/>
+    <p:sldId id="265" r:id="rId9"/>
+    <p:sldId id="266" r:id="rId10"/>
+    <p:sldId id="267" r:id="rId11"/>
+    <p:sldId id="260" r:id="rId12"/>
+    <p:sldId id="268" r:id="rId13"/>
+    <p:sldId id="269" r:id="rId14"/>
+    <p:sldId id="270" r:id="rId15"/>
+    <p:sldId id="271" r:id="rId16"/>
+    <p:sldId id="272" r:id="rId17"/>
+    <p:sldId id="273" r:id="rId18"/>
+    <p:sldId id="261" r:id="rId19"/>
+    <p:sldId id="262" r:id="rId20"/>
+    <p:sldId id="263" r:id="rId21"/>
   </p:sldIdLst>
   <p:sldSz cx="12192000" cy="6858000"/>
   <p:notesSz cx="6858000" cy="9144000"/>
@@ -124,6 +126,11 @@
       </a:defRPr>
     </a:lvl9pPr>
   </p:defaultTextStyle>
+  <p:extLst>
+    <p:ext uri="{EFAFB233-063F-42B5-8137-9DF3F51BA10A}">
+      <p15:sldGuideLst xmlns:p15="http://schemas.microsoft.com/office/powerpoint/2012/main"/>
+    </p:ext>
+  </p:extLst>
 </p:presentation>
 </file>
 
@@ -209,7 +216,7 @@
           <a:p>
             <a:fld id="{F367AEBA-D296-45D9-A3A1-29896B4FCCE4}" type="datetimeFigureOut">
               <a:rPr lang="de-DE" smtClean="0"/>
-              <a:t>07.11.2022</a:t>
+              <a:t>08.11.2022</a:t>
             </a:fld>
             <a:endParaRPr lang="de-DE"/>
           </a:p>
@@ -367,7 +374,7 @@
           <a:p>
             <a:fld id="{9CBA7EB8-FDCA-4AFA-8892-9EE34B8AC881}" type="slidenum">
               <a:rPr lang="de-DE" smtClean="0"/>
-              <a:t>‹Nr.›</a:t>
+              <a:t>‹#›</a:t>
             </a:fld>
             <a:endParaRPr lang="de-DE"/>
           </a:p>
@@ -679,7 +686,7 @@
           <a:p>
             <a:fld id="{CE55A700-9FAF-4A88-9AC7-D623DED75878}" type="slidenum">
               <a:rPr lang="de-DE" smtClean="0"/>
-              <a:t>‹Nr.›</a:t>
+              <a:t>‹#›</a:t>
             </a:fld>
             <a:endParaRPr lang="de-DE"/>
           </a:p>
@@ -879,7 +886,7 @@
           <a:p>
             <a:fld id="{CE55A700-9FAF-4A88-9AC7-D623DED75878}" type="slidenum">
               <a:rPr lang="de-DE" smtClean="0"/>
-              <a:t>‹Nr.›</a:t>
+              <a:t>‹#›</a:t>
             </a:fld>
             <a:endParaRPr lang="de-DE"/>
           </a:p>
@@ -1089,7 +1096,7 @@
           <a:p>
             <a:fld id="{CE55A700-9FAF-4A88-9AC7-D623DED75878}" type="slidenum">
               <a:rPr lang="de-DE" smtClean="0"/>
-              <a:t>‹Nr.›</a:t>
+              <a:t>‹#›</a:t>
             </a:fld>
             <a:endParaRPr lang="de-DE"/>
           </a:p>
@@ -1289,7 +1296,7 @@
           <a:p>
             <a:fld id="{CE55A700-9FAF-4A88-9AC7-D623DED75878}" type="slidenum">
               <a:rPr lang="de-DE" smtClean="0"/>
-              <a:t>‹Nr.›</a:t>
+              <a:t>‹#›</a:t>
             </a:fld>
             <a:endParaRPr lang="de-DE"/>
           </a:p>
@@ -1566,7 +1573,7 @@
           <a:p>
             <a:fld id="{CE55A700-9FAF-4A88-9AC7-D623DED75878}" type="slidenum">
               <a:rPr lang="de-DE" smtClean="0"/>
-              <a:t>‹Nr.›</a:t>
+              <a:t>‹#›</a:t>
             </a:fld>
             <a:endParaRPr lang="de-DE"/>
           </a:p>
@@ -1833,7 +1840,7 @@
           <a:p>
             <a:fld id="{CE55A700-9FAF-4A88-9AC7-D623DED75878}" type="slidenum">
               <a:rPr lang="de-DE" smtClean="0"/>
-              <a:t>‹Nr.›</a:t>
+              <a:t>‹#›</a:t>
             </a:fld>
             <a:endParaRPr lang="de-DE"/>
           </a:p>
@@ -2247,7 +2254,7 @@
           <a:p>
             <a:fld id="{CE55A700-9FAF-4A88-9AC7-D623DED75878}" type="slidenum">
               <a:rPr lang="de-DE" smtClean="0"/>
-              <a:t>‹Nr.›</a:t>
+              <a:t>‹#›</a:t>
             </a:fld>
             <a:endParaRPr lang="de-DE"/>
           </a:p>
@@ -2390,7 +2397,7 @@
           <a:p>
             <a:fld id="{CE55A700-9FAF-4A88-9AC7-D623DED75878}" type="slidenum">
               <a:rPr lang="de-DE" smtClean="0"/>
-              <a:t>‹Nr.›</a:t>
+              <a:t>‹#›</a:t>
             </a:fld>
             <a:endParaRPr lang="de-DE"/>
           </a:p>
@@ -2505,7 +2512,7 @@
           <a:p>
             <a:fld id="{CE55A700-9FAF-4A88-9AC7-D623DED75878}" type="slidenum">
               <a:rPr lang="de-DE" smtClean="0"/>
-              <a:t>‹Nr.›</a:t>
+              <a:t>‹#›</a:t>
             </a:fld>
             <a:endParaRPr lang="de-DE"/>
           </a:p>
@@ -2818,7 +2825,7 @@
           <a:p>
             <a:fld id="{CE55A700-9FAF-4A88-9AC7-D623DED75878}" type="slidenum">
               <a:rPr lang="de-DE" smtClean="0"/>
-              <a:t>‹Nr.›</a:t>
+              <a:t>‹#›</a:t>
             </a:fld>
             <a:endParaRPr lang="de-DE"/>
           </a:p>
@@ -3108,7 +3115,7 @@
           <a:p>
             <a:fld id="{CE55A700-9FAF-4A88-9AC7-D623DED75878}" type="slidenum">
               <a:rPr lang="de-DE" smtClean="0"/>
-              <a:t>‹Nr.›</a:t>
+              <a:t>‹#›</a:t>
             </a:fld>
             <a:endParaRPr lang="de-DE"/>
           </a:p>
@@ -3387,7 +3394,7 @@
           <a:p>
             <a:fld id="{CE55A700-9FAF-4A88-9AC7-D623DED75878}" type="slidenum">
               <a:rPr lang="de-DE" smtClean="0"/>
-              <a:t>‹Nr.›</a:t>
+              <a:t>‹#›</a:t>
             </a:fld>
             <a:endParaRPr lang="de-DE"/>
           </a:p>
@@ -3815,7 +3822,7 @@
           <p:cNvPr id="2" name="Titel 1">
             <a:extLst>
               <a:ext uri="{FF2B5EF4-FFF2-40B4-BE49-F238E27FC236}">
-                <a16:creationId xmlns:a16="http://schemas.microsoft.com/office/drawing/2014/main" id="{E30C1CF7-F088-EDF3-37F9-78650E1D272A}"/>
+                <a16:creationId xmlns:a16="http://schemas.microsoft.com/office/drawing/2014/main" id="{FF329F64-D2B5-70EE-B85A-E91D58E8FF5D}"/>
               </a:ext>
             </a:extLst>
           </p:cNvPr>
@@ -3832,18 +3839,17 @@
           <a:lstStyle/>
           <a:p>
             <a:r>
+              <a:rPr lang="de-DE" dirty="0"/>
+              <a:t>Architecture – </a:t>
+            </a:r>
+            <a:r>
               <a:rPr lang="de-DE" dirty="0" err="1"/>
-              <a:t>Fundamentals</a:t>
+              <a:t>Mixins</a:t>
             </a:r>
             <a:r>
               <a:rPr lang="de-DE" dirty="0"/>
-              <a:t> - </a:t>
-            </a:r>
-            <a:r>
-              <a:rPr lang="de-DE" dirty="0" err="1"/>
-              <a:t>MSFcli</a:t>
-            </a:r>
-            <a:endParaRPr lang="de-DE" dirty="0"/>
+              <a:t> and Plugins</a:t>
+            </a:r>
           </a:p>
         </p:txBody>
       </p:sp>
@@ -3852,7 +3858,7 @@
           <p:cNvPr id="3" name="Inhaltsplatzhalter 2">
             <a:extLst>
               <a:ext uri="{FF2B5EF4-FFF2-40B4-BE49-F238E27FC236}">
-                <a16:creationId xmlns:a16="http://schemas.microsoft.com/office/drawing/2014/main" id="{69C69D14-C541-5747-E3C7-B1A20E05DC5A}"/>
+                <a16:creationId xmlns:a16="http://schemas.microsoft.com/office/drawing/2014/main" id="{10AC6F14-1C41-6591-3344-35D7CFB5ED64}"/>
               </a:ext>
             </a:extLst>
           </p:cNvPr>
@@ -3868,7 +3874,7 @@
           <a:bodyPr/>
           <a:lstStyle/>
           <a:p>
-            <a:endParaRPr lang="de-DE" dirty="0"/>
+            <a:endParaRPr lang="de-DE"/>
           </a:p>
         </p:txBody>
       </p:sp>
@@ -3877,7 +3883,7 @@
           <p:cNvPr id="4" name="Datumsplatzhalter 3">
             <a:extLst>
               <a:ext uri="{FF2B5EF4-FFF2-40B4-BE49-F238E27FC236}">
-                <a16:creationId xmlns:a16="http://schemas.microsoft.com/office/drawing/2014/main" id="{15FE503C-461A-12D6-CA98-3250849B7B44}"/>
+                <a16:creationId xmlns:a16="http://schemas.microsoft.com/office/drawing/2014/main" id="{DEA0D08B-1108-9A93-C2E5-8DEC46443799}"/>
               </a:ext>
             </a:extLst>
           </p:cNvPr>
@@ -3905,7 +3911,7 @@
           <p:cNvPr id="5" name="Fußzeilenplatzhalter 4">
             <a:extLst>
               <a:ext uri="{FF2B5EF4-FFF2-40B4-BE49-F238E27FC236}">
-                <a16:creationId xmlns:a16="http://schemas.microsoft.com/office/drawing/2014/main" id="{C0EB3D18-4C0D-CFA4-F179-617DCDF54F96}"/>
+                <a16:creationId xmlns:a16="http://schemas.microsoft.com/office/drawing/2014/main" id="{32635A32-1C45-DD42-5A11-9A8183AA3364}"/>
               </a:ext>
             </a:extLst>
           </p:cNvPr>
@@ -3933,7 +3939,7 @@
           <p:cNvPr id="6" name="Foliennummernplatzhalter 5">
             <a:extLst>
               <a:ext uri="{FF2B5EF4-FFF2-40B4-BE49-F238E27FC236}">
-                <a16:creationId xmlns:a16="http://schemas.microsoft.com/office/drawing/2014/main" id="{8A155364-AE31-5533-7578-8A9579377B60}"/>
+                <a16:creationId xmlns:a16="http://schemas.microsoft.com/office/drawing/2014/main" id="{2577DDC4-19CD-F007-1D8C-78489C5C90CC}"/>
               </a:ext>
             </a:extLst>
           </p:cNvPr>
@@ -3960,7 +3966,7 @@
     </p:spTree>
     <p:extLst>
       <p:ext uri="{BB962C8B-B14F-4D97-AF65-F5344CB8AC3E}">
-        <p14:creationId xmlns:p14="http://schemas.microsoft.com/office/powerpoint/2010/main" val="3420692217"/>
+        <p14:creationId xmlns:p14="http://schemas.microsoft.com/office/powerpoint/2010/main" val="478550766"/>
       </p:ext>
     </p:extLst>
   </p:cSld>
@@ -4012,41 +4018,72 @@
               <a:rPr lang="de-DE" dirty="0" err="1"/>
               <a:t>Fundamentals</a:t>
             </a:r>
-            <a:r>
-              <a:rPr lang="de-DE" dirty="0"/>
-              <a:t> - </a:t>
-            </a:r>
+            <a:endParaRPr lang="de-DE" dirty="0"/>
+          </a:p>
+        </p:txBody>
+      </p:sp>
+      <p:sp>
+        <p:nvSpPr>
+          <p:cNvPr id="3" name="Inhaltsplatzhalter 2">
+            <a:extLst>
+              <a:ext uri="{FF2B5EF4-FFF2-40B4-BE49-F238E27FC236}">
+                <a16:creationId xmlns:a16="http://schemas.microsoft.com/office/drawing/2014/main" id="{69C69D14-C541-5747-E3C7-B1A20E05DC5A}"/>
+              </a:ext>
+            </a:extLst>
+          </p:cNvPr>
+          <p:cNvSpPr>
+            <a:spLocks noGrp="1"/>
+          </p:cNvSpPr>
+          <p:nvPr>
+            <p:ph idx="1"/>
+          </p:nvPr>
+        </p:nvSpPr>
+        <p:spPr/>
+        <p:txBody>
+          <a:bodyPr/>
+          <a:lstStyle/>
+          <a:p>
+            <a:r>
+              <a:rPr lang="de-DE" dirty="0" err="1"/>
+              <a:t>MSFcli</a:t>
+            </a:r>
+            <a:endParaRPr lang="de-DE" dirty="0"/>
+          </a:p>
+          <a:p>
             <a:r>
               <a:rPr lang="de-DE" dirty="0" err="1"/>
               <a:t>MSFConsole</a:t>
             </a:r>
             <a:endParaRPr lang="de-DE" dirty="0"/>
           </a:p>
-        </p:txBody>
-      </p:sp>
-      <p:sp>
-        <p:nvSpPr>
-          <p:cNvPr id="3" name="Inhaltsplatzhalter 2">
-            <a:extLst>
-              <a:ext uri="{FF2B5EF4-FFF2-40B4-BE49-F238E27FC236}">
-                <a16:creationId xmlns:a16="http://schemas.microsoft.com/office/drawing/2014/main" id="{69C69D14-C541-5747-E3C7-B1A20E05DC5A}"/>
-              </a:ext>
-            </a:extLst>
-          </p:cNvPr>
-          <p:cNvSpPr>
-            <a:spLocks noGrp="1"/>
-          </p:cNvSpPr>
-          <p:nvPr>
-            <p:ph idx="1"/>
-          </p:nvPr>
-        </p:nvSpPr>
-        <p:spPr/>
-        <p:txBody>
-          <a:bodyPr/>
-          <a:lstStyle/>
-          <a:p>
+          <a:p>
+            <a:r>
+              <a:rPr lang="de-DE" dirty="0"/>
+              <a:t>Exploits</a:t>
+            </a:r>
+          </a:p>
+          <a:p>
+            <a:r>
+              <a:rPr lang="de-DE" dirty="0"/>
+              <a:t>Payload</a:t>
+            </a:r>
+          </a:p>
+          <a:p>
+            <a:r>
+              <a:rPr lang="de-DE" dirty="0"/>
+              <a:t>Databases</a:t>
+            </a:r>
+          </a:p>
+          <a:p>
+            <a:r>
+              <a:rPr lang="de-DE" dirty="0" err="1"/>
+              <a:t>Meterpreter</a:t>
+            </a:r>
             <a:endParaRPr lang="de-DE" dirty="0"/>
           </a:p>
+          <a:p>
+            <a:endParaRPr lang="de-DE" dirty="0"/>
+          </a:p>
         </p:txBody>
       </p:sp>
       <p:sp>
@@ -4054,7 +4091,7 @@
           <p:cNvPr id="4" name="Datumsplatzhalter 3">
             <a:extLst>
               <a:ext uri="{FF2B5EF4-FFF2-40B4-BE49-F238E27FC236}">
-                <a16:creationId xmlns:a16="http://schemas.microsoft.com/office/drawing/2014/main" id="{C6F5A862-A72F-B69F-CEEB-96949ABA81B1}"/>
+                <a16:creationId xmlns:a16="http://schemas.microsoft.com/office/drawing/2014/main" id="{38F09F71-3027-CE36-4450-1891AF7875A9}"/>
               </a:ext>
             </a:extLst>
           </p:cNvPr>
@@ -4082,7 +4119,7 @@
           <p:cNvPr id="5" name="Fußzeilenplatzhalter 4">
             <a:extLst>
               <a:ext uri="{FF2B5EF4-FFF2-40B4-BE49-F238E27FC236}">
-                <a16:creationId xmlns:a16="http://schemas.microsoft.com/office/drawing/2014/main" id="{1011183A-121A-9D6C-0A00-D5E40E8D1CBE}"/>
+                <a16:creationId xmlns:a16="http://schemas.microsoft.com/office/drawing/2014/main" id="{1CEB66C7-2CDE-C1C6-36EF-75CBDC770423}"/>
               </a:ext>
             </a:extLst>
           </p:cNvPr>
@@ -4110,7 +4147,7 @@
           <p:cNvPr id="6" name="Foliennummernplatzhalter 5">
             <a:extLst>
               <a:ext uri="{FF2B5EF4-FFF2-40B4-BE49-F238E27FC236}">
-                <a16:creationId xmlns:a16="http://schemas.microsoft.com/office/drawing/2014/main" id="{0C02EC50-772B-5317-8CCF-C026BD3B61AD}"/>
+                <a16:creationId xmlns:a16="http://schemas.microsoft.com/office/drawing/2014/main" id="{E6429FE8-7B27-3D13-5D68-91873026FD64}"/>
               </a:ext>
             </a:extLst>
           </p:cNvPr>
@@ -4137,7 +4174,7 @@
     </p:spTree>
     <p:extLst>
       <p:ext uri="{BB962C8B-B14F-4D97-AF65-F5344CB8AC3E}">
-        <p14:creationId xmlns:p14="http://schemas.microsoft.com/office/powerpoint/2010/main" val="3318839040"/>
+        <p14:creationId xmlns:p14="http://schemas.microsoft.com/office/powerpoint/2010/main" val="1608668736"/>
       </p:ext>
     </p:extLst>
   </p:cSld>
@@ -4191,8 +4228,13 @@
             </a:r>
             <a:r>
               <a:rPr lang="de-DE" dirty="0"/>
-              <a:t> - Exploits</a:t>
-            </a:r>
+              <a:t> - </a:t>
+            </a:r>
+            <a:r>
+              <a:rPr lang="de-DE" dirty="0" err="1"/>
+              <a:t>MSFcli</a:t>
+            </a:r>
+            <a:endParaRPr lang="de-DE" dirty="0"/>
           </a:p>
         </p:txBody>
       </p:sp>
@@ -4226,7 +4268,7 @@
           <p:cNvPr id="4" name="Datumsplatzhalter 3">
             <a:extLst>
               <a:ext uri="{FF2B5EF4-FFF2-40B4-BE49-F238E27FC236}">
-                <a16:creationId xmlns:a16="http://schemas.microsoft.com/office/drawing/2014/main" id="{3C4D1B07-43A0-A878-1CFF-75A42270CE81}"/>
+                <a16:creationId xmlns:a16="http://schemas.microsoft.com/office/drawing/2014/main" id="{15FE503C-461A-12D6-CA98-3250849B7B44}"/>
               </a:ext>
             </a:extLst>
           </p:cNvPr>
@@ -4254,7 +4296,7 @@
           <p:cNvPr id="5" name="Fußzeilenplatzhalter 4">
             <a:extLst>
               <a:ext uri="{FF2B5EF4-FFF2-40B4-BE49-F238E27FC236}">
-                <a16:creationId xmlns:a16="http://schemas.microsoft.com/office/drawing/2014/main" id="{862F662A-1EE0-91F4-9B51-DACCA6D24C3B}"/>
+                <a16:creationId xmlns:a16="http://schemas.microsoft.com/office/drawing/2014/main" id="{C0EB3D18-4C0D-CFA4-F179-617DCDF54F96}"/>
               </a:ext>
             </a:extLst>
           </p:cNvPr>
@@ -4282,7 +4324,7 @@
           <p:cNvPr id="6" name="Foliennummernplatzhalter 5">
             <a:extLst>
               <a:ext uri="{FF2B5EF4-FFF2-40B4-BE49-F238E27FC236}">
-                <a16:creationId xmlns:a16="http://schemas.microsoft.com/office/drawing/2014/main" id="{978129DC-23C4-79B9-5FFA-6280B22DD72D}"/>
+                <a16:creationId xmlns:a16="http://schemas.microsoft.com/office/drawing/2014/main" id="{8A155364-AE31-5533-7578-8A9579377B60}"/>
               </a:ext>
             </a:extLst>
           </p:cNvPr>
@@ -4309,7 +4351,7 @@
     </p:spTree>
     <p:extLst>
       <p:ext uri="{BB962C8B-B14F-4D97-AF65-F5344CB8AC3E}">
-        <p14:creationId xmlns:p14="http://schemas.microsoft.com/office/powerpoint/2010/main" val="2420828021"/>
+        <p14:creationId xmlns:p14="http://schemas.microsoft.com/office/powerpoint/2010/main" val="3420692217"/>
       </p:ext>
     </p:extLst>
   </p:cSld>
@@ -4363,8 +4405,13 @@
             </a:r>
             <a:r>
               <a:rPr lang="de-DE" dirty="0"/>
-              <a:t> - Payload</a:t>
-            </a:r>
+              <a:t> - </a:t>
+            </a:r>
+            <a:r>
+              <a:rPr lang="de-DE" dirty="0" err="1"/>
+              <a:t>MSFConsole</a:t>
+            </a:r>
+            <a:endParaRPr lang="de-DE" dirty="0"/>
           </a:p>
         </p:txBody>
       </p:sp>
@@ -4398,7 +4445,7 @@
           <p:cNvPr id="4" name="Datumsplatzhalter 3">
             <a:extLst>
               <a:ext uri="{FF2B5EF4-FFF2-40B4-BE49-F238E27FC236}">
-                <a16:creationId xmlns:a16="http://schemas.microsoft.com/office/drawing/2014/main" id="{D1BCE776-007C-4CE6-A4D2-1286F38DCCEF}"/>
+                <a16:creationId xmlns:a16="http://schemas.microsoft.com/office/drawing/2014/main" id="{C6F5A862-A72F-B69F-CEEB-96949ABA81B1}"/>
               </a:ext>
             </a:extLst>
           </p:cNvPr>
@@ -4426,7 +4473,7 @@
           <p:cNvPr id="5" name="Fußzeilenplatzhalter 4">
             <a:extLst>
               <a:ext uri="{FF2B5EF4-FFF2-40B4-BE49-F238E27FC236}">
-                <a16:creationId xmlns:a16="http://schemas.microsoft.com/office/drawing/2014/main" id="{AE09DCDD-FF97-A1A3-2A9A-4C12522DCB04}"/>
+                <a16:creationId xmlns:a16="http://schemas.microsoft.com/office/drawing/2014/main" id="{1011183A-121A-9D6C-0A00-D5E40E8D1CBE}"/>
               </a:ext>
             </a:extLst>
           </p:cNvPr>
@@ -4454,7 +4501,7 @@
           <p:cNvPr id="6" name="Foliennummernplatzhalter 5">
             <a:extLst>
               <a:ext uri="{FF2B5EF4-FFF2-40B4-BE49-F238E27FC236}">
-                <a16:creationId xmlns:a16="http://schemas.microsoft.com/office/drawing/2014/main" id="{D26FB354-EE68-C1B8-F2FA-9CACF5C0EDB6}"/>
+                <a16:creationId xmlns:a16="http://schemas.microsoft.com/office/drawing/2014/main" id="{0C02EC50-772B-5317-8CCF-C026BD3B61AD}"/>
               </a:ext>
             </a:extLst>
           </p:cNvPr>
@@ -4481,7 +4528,7 @@
     </p:spTree>
     <p:extLst>
       <p:ext uri="{BB962C8B-B14F-4D97-AF65-F5344CB8AC3E}">
-        <p14:creationId xmlns:p14="http://schemas.microsoft.com/office/powerpoint/2010/main" val="2888634309"/>
+        <p14:creationId xmlns:p14="http://schemas.microsoft.com/office/powerpoint/2010/main" val="3318839040"/>
       </p:ext>
     </p:extLst>
   </p:cSld>
@@ -4535,7 +4582,7 @@
             </a:r>
             <a:r>
               <a:rPr lang="de-DE" dirty="0"/>
-              <a:t> - Databases</a:t>
+              <a:t> - Exploits</a:t>
             </a:r>
           </a:p>
         </p:txBody>
@@ -4570,7 +4617,7 @@
           <p:cNvPr id="4" name="Datumsplatzhalter 3">
             <a:extLst>
               <a:ext uri="{FF2B5EF4-FFF2-40B4-BE49-F238E27FC236}">
-                <a16:creationId xmlns:a16="http://schemas.microsoft.com/office/drawing/2014/main" id="{BF20526B-3D6C-E9E8-3696-2AF5F996FA14}"/>
+                <a16:creationId xmlns:a16="http://schemas.microsoft.com/office/drawing/2014/main" id="{3C4D1B07-43A0-A878-1CFF-75A42270CE81}"/>
               </a:ext>
             </a:extLst>
           </p:cNvPr>
@@ -4598,7 +4645,7 @@
           <p:cNvPr id="5" name="Fußzeilenplatzhalter 4">
             <a:extLst>
               <a:ext uri="{FF2B5EF4-FFF2-40B4-BE49-F238E27FC236}">
-                <a16:creationId xmlns:a16="http://schemas.microsoft.com/office/drawing/2014/main" id="{50DDD3F0-E746-6B2E-270A-7B7343212C62}"/>
+                <a16:creationId xmlns:a16="http://schemas.microsoft.com/office/drawing/2014/main" id="{862F662A-1EE0-91F4-9B51-DACCA6D24C3B}"/>
               </a:ext>
             </a:extLst>
           </p:cNvPr>
@@ -4626,7 +4673,7 @@
           <p:cNvPr id="6" name="Foliennummernplatzhalter 5">
             <a:extLst>
               <a:ext uri="{FF2B5EF4-FFF2-40B4-BE49-F238E27FC236}">
-                <a16:creationId xmlns:a16="http://schemas.microsoft.com/office/drawing/2014/main" id="{C423F5D3-F941-B8DB-6C09-1C3BDB70F912}"/>
+                <a16:creationId xmlns:a16="http://schemas.microsoft.com/office/drawing/2014/main" id="{978129DC-23C4-79B9-5FFA-6280B22DD72D}"/>
               </a:ext>
             </a:extLst>
           </p:cNvPr>
@@ -4653,7 +4700,7 @@
     </p:spTree>
     <p:extLst>
       <p:ext uri="{BB962C8B-B14F-4D97-AF65-F5344CB8AC3E}">
-        <p14:creationId xmlns:p14="http://schemas.microsoft.com/office/powerpoint/2010/main" val="967471034"/>
+        <p14:creationId xmlns:p14="http://schemas.microsoft.com/office/powerpoint/2010/main" val="2420828021"/>
       </p:ext>
     </p:extLst>
   </p:cSld>
@@ -4707,47 +4754,42 @@
             </a:r>
             <a:r>
               <a:rPr lang="de-DE" dirty="0"/>
-              <a:t> - </a:t>
-            </a:r>
-            <a:r>
-              <a:rPr lang="de-DE" dirty="0" err="1"/>
-              <a:t>Meterpreter</a:t>
-            </a:r>
+              <a:t> - Payload</a:t>
+            </a:r>
+          </a:p>
+        </p:txBody>
+      </p:sp>
+      <p:sp>
+        <p:nvSpPr>
+          <p:cNvPr id="3" name="Inhaltsplatzhalter 2">
+            <a:extLst>
+              <a:ext uri="{FF2B5EF4-FFF2-40B4-BE49-F238E27FC236}">
+                <a16:creationId xmlns:a16="http://schemas.microsoft.com/office/drawing/2014/main" id="{69C69D14-C541-5747-E3C7-B1A20E05DC5A}"/>
+              </a:ext>
+            </a:extLst>
+          </p:cNvPr>
+          <p:cNvSpPr>
+            <a:spLocks noGrp="1"/>
+          </p:cNvSpPr>
+          <p:nvPr>
+            <p:ph idx="1"/>
+          </p:nvPr>
+        </p:nvSpPr>
+        <p:spPr/>
+        <p:txBody>
+          <a:bodyPr/>
+          <a:lstStyle/>
+          <a:p>
             <a:endParaRPr lang="de-DE" dirty="0"/>
           </a:p>
         </p:txBody>
       </p:sp>
       <p:sp>
         <p:nvSpPr>
-          <p:cNvPr id="3" name="Inhaltsplatzhalter 2">
-            <a:extLst>
-              <a:ext uri="{FF2B5EF4-FFF2-40B4-BE49-F238E27FC236}">
-                <a16:creationId xmlns:a16="http://schemas.microsoft.com/office/drawing/2014/main" id="{69C69D14-C541-5747-E3C7-B1A20E05DC5A}"/>
-              </a:ext>
-            </a:extLst>
-          </p:cNvPr>
-          <p:cNvSpPr>
-            <a:spLocks noGrp="1"/>
-          </p:cNvSpPr>
-          <p:nvPr>
-            <p:ph idx="1"/>
-          </p:nvPr>
-        </p:nvSpPr>
-        <p:spPr/>
-        <p:txBody>
-          <a:bodyPr/>
-          <a:lstStyle/>
-          <a:p>
-            <a:endParaRPr lang="de-DE" dirty="0"/>
-          </a:p>
-        </p:txBody>
-      </p:sp>
-      <p:sp>
-        <p:nvSpPr>
           <p:cNvPr id="4" name="Datumsplatzhalter 3">
             <a:extLst>
               <a:ext uri="{FF2B5EF4-FFF2-40B4-BE49-F238E27FC236}">
-                <a16:creationId xmlns:a16="http://schemas.microsoft.com/office/drawing/2014/main" id="{D341F655-C55B-12E4-8238-F050441DAA52}"/>
+                <a16:creationId xmlns:a16="http://schemas.microsoft.com/office/drawing/2014/main" id="{D1BCE776-007C-4CE6-A4D2-1286F38DCCEF}"/>
               </a:ext>
             </a:extLst>
           </p:cNvPr>
@@ -4775,7 +4817,7 @@
           <p:cNvPr id="5" name="Fußzeilenplatzhalter 4">
             <a:extLst>
               <a:ext uri="{FF2B5EF4-FFF2-40B4-BE49-F238E27FC236}">
-                <a16:creationId xmlns:a16="http://schemas.microsoft.com/office/drawing/2014/main" id="{6C3DA97B-B455-7BB6-EB84-27236CC07A39}"/>
+                <a16:creationId xmlns:a16="http://schemas.microsoft.com/office/drawing/2014/main" id="{AE09DCDD-FF97-A1A3-2A9A-4C12522DCB04}"/>
               </a:ext>
             </a:extLst>
           </p:cNvPr>
@@ -4803,7 +4845,7 @@
           <p:cNvPr id="6" name="Foliennummernplatzhalter 5">
             <a:extLst>
               <a:ext uri="{FF2B5EF4-FFF2-40B4-BE49-F238E27FC236}">
-                <a16:creationId xmlns:a16="http://schemas.microsoft.com/office/drawing/2014/main" id="{03A2B64D-D23B-5412-B74E-201671A2FDBA}"/>
+                <a16:creationId xmlns:a16="http://schemas.microsoft.com/office/drawing/2014/main" id="{D26FB354-EE68-C1B8-F2FA-9CACF5C0EDB6}"/>
               </a:ext>
             </a:extLst>
           </p:cNvPr>
@@ -4830,7 +4872,7 @@
     </p:spTree>
     <p:extLst>
       <p:ext uri="{BB962C8B-B14F-4D97-AF65-F5344CB8AC3E}">
-        <p14:creationId xmlns:p14="http://schemas.microsoft.com/office/powerpoint/2010/main" val="1572411903"/>
+        <p14:creationId xmlns:p14="http://schemas.microsoft.com/office/powerpoint/2010/main" val="2888634309"/>
       </p:ext>
     </p:extLst>
   </p:cSld>
@@ -4862,7 +4904,7 @@
           <p:cNvPr id="2" name="Titel 1">
             <a:extLst>
               <a:ext uri="{FF2B5EF4-FFF2-40B4-BE49-F238E27FC236}">
-                <a16:creationId xmlns:a16="http://schemas.microsoft.com/office/drawing/2014/main" id="{759D23C5-38DA-3F36-CACE-C279F4425FBA}"/>
+                <a16:creationId xmlns:a16="http://schemas.microsoft.com/office/drawing/2014/main" id="{E30C1CF7-F088-EDF3-37F9-78650E1D272A}"/>
               </a:ext>
             </a:extLst>
           </p:cNvPr>
@@ -4879,8 +4921,12 @@
           <a:lstStyle/>
           <a:p>
             <a:r>
+              <a:rPr lang="de-DE" dirty="0" err="1"/>
+              <a:t>Fundamentals</a:t>
+            </a:r>
+            <a:r>
               <a:rPr lang="de-DE" dirty="0"/>
-              <a:t>Information Gathering</a:t>
+              <a:t> - Databases</a:t>
             </a:r>
           </a:p>
         </p:txBody>
@@ -4890,7 +4936,7 @@
           <p:cNvPr id="3" name="Inhaltsplatzhalter 2">
             <a:extLst>
               <a:ext uri="{FF2B5EF4-FFF2-40B4-BE49-F238E27FC236}">
-                <a16:creationId xmlns:a16="http://schemas.microsoft.com/office/drawing/2014/main" id="{29FE0EAE-6BDA-12D4-D19E-F5B46C6E12F7}"/>
+                <a16:creationId xmlns:a16="http://schemas.microsoft.com/office/drawing/2014/main" id="{69C69D14-C541-5747-E3C7-B1A20E05DC5A}"/>
               </a:ext>
             </a:extLst>
           </p:cNvPr>
@@ -4906,61 +4952,8 @@
           <a:bodyPr/>
           <a:lstStyle/>
           <a:p>
-            <a:r>
-              <a:rPr lang="de-DE" dirty="0"/>
-              <a:t>Port Scanning</a:t>
-            </a:r>
-          </a:p>
-          <a:p>
-            <a:r>
-              <a:rPr lang="de-DE" dirty="0"/>
-              <a:t>Hunting </a:t>
-            </a:r>
-            <a:r>
-              <a:rPr lang="de-DE" dirty="0" err="1"/>
-              <a:t>for</a:t>
-            </a:r>
-            <a:r>
-              <a:rPr lang="de-DE" dirty="0"/>
-              <a:t> MSSQL</a:t>
-            </a:r>
-          </a:p>
-          <a:p>
-            <a:r>
-              <a:rPr lang="de-DE" dirty="0"/>
-              <a:t>Service </a:t>
-            </a:r>
-            <a:r>
-              <a:rPr lang="de-DE" dirty="0" err="1"/>
-              <a:t>Identification</a:t>
-            </a:r>
             <a:endParaRPr lang="de-DE" dirty="0"/>
           </a:p>
-          <a:p>
-            <a:r>
-              <a:rPr lang="de-DE" dirty="0"/>
-              <a:t>Password </a:t>
-            </a:r>
-            <a:r>
-              <a:rPr lang="de-DE" dirty="0" err="1"/>
-              <a:t>Sniffing</a:t>
-            </a:r>
-            <a:endParaRPr lang="de-DE" dirty="0"/>
-          </a:p>
-          <a:p>
-            <a:r>
-              <a:rPr lang="de-DE" dirty="0"/>
-              <a:t>SNMP </a:t>
-            </a:r>
-            <a:r>
-              <a:rPr lang="de-DE" dirty="0" err="1"/>
-              <a:t>Sweeping</a:t>
-            </a:r>
-            <a:endParaRPr lang="de-DE" dirty="0"/>
-          </a:p>
-          <a:p>
-            <a:endParaRPr lang="de-DE" dirty="0"/>
-          </a:p>
         </p:txBody>
       </p:sp>
       <p:sp>
@@ -4968,7 +4961,7 @@
           <p:cNvPr id="4" name="Datumsplatzhalter 3">
             <a:extLst>
               <a:ext uri="{FF2B5EF4-FFF2-40B4-BE49-F238E27FC236}">
-                <a16:creationId xmlns:a16="http://schemas.microsoft.com/office/drawing/2014/main" id="{FB148457-9172-F770-CD37-DFF064204518}"/>
+                <a16:creationId xmlns:a16="http://schemas.microsoft.com/office/drawing/2014/main" id="{BF20526B-3D6C-E9E8-3696-2AF5F996FA14}"/>
               </a:ext>
             </a:extLst>
           </p:cNvPr>
@@ -4996,7 +4989,7 @@
           <p:cNvPr id="5" name="Fußzeilenplatzhalter 4">
             <a:extLst>
               <a:ext uri="{FF2B5EF4-FFF2-40B4-BE49-F238E27FC236}">
-                <a16:creationId xmlns:a16="http://schemas.microsoft.com/office/drawing/2014/main" id="{04527C7C-00E0-80F4-CE10-7D0A17F18C14}"/>
+                <a16:creationId xmlns:a16="http://schemas.microsoft.com/office/drawing/2014/main" id="{50DDD3F0-E746-6B2E-270A-7B7343212C62}"/>
               </a:ext>
             </a:extLst>
           </p:cNvPr>
@@ -5024,7 +5017,7 @@
           <p:cNvPr id="6" name="Foliennummernplatzhalter 5">
             <a:extLst>
               <a:ext uri="{FF2B5EF4-FFF2-40B4-BE49-F238E27FC236}">
-                <a16:creationId xmlns:a16="http://schemas.microsoft.com/office/drawing/2014/main" id="{D94A1350-E32D-2654-D837-698932F94887}"/>
+                <a16:creationId xmlns:a16="http://schemas.microsoft.com/office/drawing/2014/main" id="{C423F5D3-F941-B8DB-6C09-1C3BDB70F912}"/>
               </a:ext>
             </a:extLst>
           </p:cNvPr>
@@ -5051,7 +5044,7 @@
     </p:spTree>
     <p:extLst>
       <p:ext uri="{BB962C8B-B14F-4D97-AF65-F5344CB8AC3E}">
-        <p14:creationId xmlns:p14="http://schemas.microsoft.com/office/powerpoint/2010/main" val="2903146916"/>
+        <p14:creationId xmlns:p14="http://schemas.microsoft.com/office/powerpoint/2010/main" val="967471034"/>
       </p:ext>
     </p:extLst>
   </p:cSld>
@@ -5083,7 +5076,7 @@
           <p:cNvPr id="2" name="Titel 1">
             <a:extLst>
               <a:ext uri="{FF2B5EF4-FFF2-40B4-BE49-F238E27FC236}">
-                <a16:creationId xmlns:a16="http://schemas.microsoft.com/office/drawing/2014/main" id="{B9133348-A2A1-39A1-3B27-74253C6E7A6C}"/>
+                <a16:creationId xmlns:a16="http://schemas.microsoft.com/office/drawing/2014/main" id="{E30C1CF7-F088-EDF3-37F9-78650E1D272A}"/>
               </a:ext>
             </a:extLst>
           </p:cNvPr>
@@ -5101,12 +5094,17 @@
           <a:p>
             <a:r>
               <a:rPr lang="de-DE" dirty="0" err="1"/>
-              <a:t>Vulnerability</a:t>
+              <a:t>Fundamentals</a:t>
             </a:r>
             <a:r>
               <a:rPr lang="de-DE" dirty="0"/>
-              <a:t> Scanning</a:t>
-            </a:r>
+              <a:t> - </a:t>
+            </a:r>
+            <a:r>
+              <a:rPr lang="de-DE" dirty="0" err="1"/>
+              <a:t>Meterpreter</a:t>
+            </a:r>
+            <a:endParaRPr lang="de-DE" dirty="0"/>
           </a:p>
         </p:txBody>
       </p:sp>
@@ -5115,7 +5113,7 @@
           <p:cNvPr id="3" name="Inhaltsplatzhalter 2">
             <a:extLst>
               <a:ext uri="{FF2B5EF4-FFF2-40B4-BE49-F238E27FC236}">
-                <a16:creationId xmlns:a16="http://schemas.microsoft.com/office/drawing/2014/main" id="{A6845004-BC2B-24FE-DC03-7E6EA09726A7}"/>
+                <a16:creationId xmlns:a16="http://schemas.microsoft.com/office/drawing/2014/main" id="{69C69D14-C541-5747-E3C7-B1A20E05DC5A}"/>
               </a:ext>
             </a:extLst>
           </p:cNvPr>
@@ -5131,61 +5129,8 @@
           <a:bodyPr/>
           <a:lstStyle/>
           <a:p>
-            <a:r>
-              <a:rPr lang="de-DE" dirty="0"/>
-              <a:t>SMB Login Check</a:t>
-            </a:r>
-          </a:p>
-          <a:p>
-            <a:r>
-              <a:rPr lang="de-DE" dirty="0"/>
-              <a:t>VCN Authentication</a:t>
-            </a:r>
-          </a:p>
-          <a:p>
-            <a:r>
-              <a:rPr lang="de-DE" dirty="0"/>
-              <a:t>WMAP Web Scanner</a:t>
-            </a:r>
-          </a:p>
-          <a:p>
-            <a:r>
-              <a:rPr lang="de-DE" dirty="0"/>
-              <a:t>Working </a:t>
-            </a:r>
-            <a:r>
-              <a:rPr lang="de-DE" dirty="0" err="1"/>
-              <a:t>with</a:t>
-            </a:r>
-            <a:r>
-              <a:rPr lang="de-DE" dirty="0"/>
-              <a:t> </a:t>
-            </a:r>
-            <a:r>
-              <a:rPr lang="de-DE" dirty="0" err="1"/>
-              <a:t>Nexpose</a:t>
-            </a:r>
             <a:endParaRPr lang="de-DE" dirty="0"/>
           </a:p>
-          <a:p>
-            <a:r>
-              <a:rPr lang="de-DE" dirty="0"/>
-              <a:t>Working </a:t>
-            </a:r>
-            <a:r>
-              <a:rPr lang="de-DE" dirty="0" err="1"/>
-              <a:t>with</a:t>
-            </a:r>
-            <a:r>
-              <a:rPr lang="de-DE" dirty="0"/>
-              <a:t> </a:t>
-            </a:r>
-            <a:r>
-              <a:rPr lang="de-DE" dirty="0" err="1"/>
-              <a:t>Nessus</a:t>
-            </a:r>
-            <a:endParaRPr lang="de-DE" dirty="0"/>
-          </a:p>
         </p:txBody>
       </p:sp>
       <p:sp>
@@ -5193,7 +5138,7 @@
           <p:cNvPr id="4" name="Datumsplatzhalter 3">
             <a:extLst>
               <a:ext uri="{FF2B5EF4-FFF2-40B4-BE49-F238E27FC236}">
-                <a16:creationId xmlns:a16="http://schemas.microsoft.com/office/drawing/2014/main" id="{8B495479-795E-21B8-A98D-B696426712DF}"/>
+                <a16:creationId xmlns:a16="http://schemas.microsoft.com/office/drawing/2014/main" id="{D341F655-C55B-12E4-8238-F050441DAA52}"/>
               </a:ext>
             </a:extLst>
           </p:cNvPr>
@@ -5221,7 +5166,7 @@
           <p:cNvPr id="5" name="Fußzeilenplatzhalter 4">
             <a:extLst>
               <a:ext uri="{FF2B5EF4-FFF2-40B4-BE49-F238E27FC236}">
-                <a16:creationId xmlns:a16="http://schemas.microsoft.com/office/drawing/2014/main" id="{35CAFC1F-5C83-81E3-BF5E-1FB2BEED9448}"/>
+                <a16:creationId xmlns:a16="http://schemas.microsoft.com/office/drawing/2014/main" id="{6C3DA97B-B455-7BB6-EB84-27236CC07A39}"/>
               </a:ext>
             </a:extLst>
           </p:cNvPr>
@@ -5249,7 +5194,7 @@
           <p:cNvPr id="6" name="Foliennummernplatzhalter 5">
             <a:extLst>
               <a:ext uri="{FF2B5EF4-FFF2-40B4-BE49-F238E27FC236}">
-                <a16:creationId xmlns:a16="http://schemas.microsoft.com/office/drawing/2014/main" id="{85E7CAEF-62C7-D874-468D-454924921E5D}"/>
+                <a16:creationId xmlns:a16="http://schemas.microsoft.com/office/drawing/2014/main" id="{03A2B64D-D23B-5412-B74E-201671A2FDBA}"/>
               </a:ext>
             </a:extLst>
           </p:cNvPr>
@@ -5276,7 +5221,7 @@
     </p:spTree>
     <p:extLst>
       <p:ext uri="{BB962C8B-B14F-4D97-AF65-F5344CB8AC3E}">
-        <p14:creationId xmlns:p14="http://schemas.microsoft.com/office/powerpoint/2010/main" val="1919370225"/>
+        <p14:creationId xmlns:p14="http://schemas.microsoft.com/office/powerpoint/2010/main" val="1572411903"/>
       </p:ext>
     </p:extLst>
   </p:cSld>
@@ -5308,7 +5253,7 @@
           <p:cNvPr id="2" name="Titel 1">
             <a:extLst>
               <a:ext uri="{FF2B5EF4-FFF2-40B4-BE49-F238E27FC236}">
-                <a16:creationId xmlns:a16="http://schemas.microsoft.com/office/drawing/2014/main" id="{37CB64CE-9FAF-E4CD-0E65-F7F043E64A7E}"/>
+                <a16:creationId xmlns:a16="http://schemas.microsoft.com/office/drawing/2014/main" id="{759D23C5-38DA-3F36-CACE-C279F4425FBA}"/>
               </a:ext>
             </a:extLst>
           </p:cNvPr>
@@ -5324,7 +5269,10 @@
           <a:bodyPr/>
           <a:lstStyle/>
           <a:p>
-            <a:endParaRPr lang="de-DE"/>
+            <a:r>
+              <a:rPr lang="de-DE" dirty="0"/>
+              <a:t>Information Gathering</a:t>
+            </a:r>
           </a:p>
         </p:txBody>
       </p:sp>
@@ -5333,7 +5281,7 @@
           <p:cNvPr id="3" name="Inhaltsplatzhalter 2">
             <a:extLst>
               <a:ext uri="{FF2B5EF4-FFF2-40B4-BE49-F238E27FC236}">
-                <a16:creationId xmlns:a16="http://schemas.microsoft.com/office/drawing/2014/main" id="{C1FB5D2C-96BE-E2DD-334F-8D67E1582C5F}"/>
+                <a16:creationId xmlns:a16="http://schemas.microsoft.com/office/drawing/2014/main" id="{29FE0EAE-6BDA-12D4-D19E-F5B46C6E12F7}"/>
               </a:ext>
             </a:extLst>
           </p:cNvPr>
@@ -5349,8 +5297,61 @@
           <a:bodyPr/>
           <a:lstStyle/>
           <a:p>
+            <a:r>
+              <a:rPr lang="de-DE" dirty="0"/>
+              <a:t>Port Scanning</a:t>
+            </a:r>
+          </a:p>
+          <a:p>
+            <a:r>
+              <a:rPr lang="de-DE" dirty="0"/>
+              <a:t>Hunting </a:t>
+            </a:r>
+            <a:r>
+              <a:rPr lang="de-DE" dirty="0" err="1"/>
+              <a:t>for</a:t>
+            </a:r>
+            <a:r>
+              <a:rPr lang="de-DE" dirty="0"/>
+              <a:t> MSSQL</a:t>
+            </a:r>
+          </a:p>
+          <a:p>
+            <a:r>
+              <a:rPr lang="de-DE" dirty="0"/>
+              <a:t>Service </a:t>
+            </a:r>
+            <a:r>
+              <a:rPr lang="de-DE" dirty="0" err="1"/>
+              <a:t>Identification</a:t>
+            </a:r>
             <a:endParaRPr lang="de-DE" dirty="0"/>
           </a:p>
+          <a:p>
+            <a:r>
+              <a:rPr lang="de-DE" dirty="0"/>
+              <a:t>Password </a:t>
+            </a:r>
+            <a:r>
+              <a:rPr lang="de-DE" dirty="0" err="1"/>
+              <a:t>Sniffing</a:t>
+            </a:r>
+            <a:endParaRPr lang="de-DE" dirty="0"/>
+          </a:p>
+          <a:p>
+            <a:r>
+              <a:rPr lang="de-DE" dirty="0"/>
+              <a:t>SNMP </a:t>
+            </a:r>
+            <a:r>
+              <a:rPr lang="de-DE" dirty="0" err="1"/>
+              <a:t>Sweeping</a:t>
+            </a:r>
+            <a:endParaRPr lang="de-DE" dirty="0"/>
+          </a:p>
+          <a:p>
+            <a:endParaRPr lang="de-DE" dirty="0"/>
+          </a:p>
         </p:txBody>
       </p:sp>
       <p:sp>
@@ -5358,7 +5359,7 @@
           <p:cNvPr id="4" name="Datumsplatzhalter 3">
             <a:extLst>
               <a:ext uri="{FF2B5EF4-FFF2-40B4-BE49-F238E27FC236}">
-                <a16:creationId xmlns:a16="http://schemas.microsoft.com/office/drawing/2014/main" id="{12979148-DCE1-6760-0DEF-D6D7FAA542E1}"/>
+                <a16:creationId xmlns:a16="http://schemas.microsoft.com/office/drawing/2014/main" id="{FB148457-9172-F770-CD37-DFF064204518}"/>
               </a:ext>
             </a:extLst>
           </p:cNvPr>
@@ -5386,7 +5387,7 @@
           <p:cNvPr id="5" name="Fußzeilenplatzhalter 4">
             <a:extLst>
               <a:ext uri="{FF2B5EF4-FFF2-40B4-BE49-F238E27FC236}">
-                <a16:creationId xmlns:a16="http://schemas.microsoft.com/office/drawing/2014/main" id="{C8E5A838-D2CD-0E3C-7D08-5FF81E65DFC5}"/>
+                <a16:creationId xmlns:a16="http://schemas.microsoft.com/office/drawing/2014/main" id="{04527C7C-00E0-80F4-CE10-7D0A17F18C14}"/>
               </a:ext>
             </a:extLst>
           </p:cNvPr>
@@ -5414,7 +5415,7 @@
           <p:cNvPr id="6" name="Foliennummernplatzhalter 5">
             <a:extLst>
               <a:ext uri="{FF2B5EF4-FFF2-40B4-BE49-F238E27FC236}">
-                <a16:creationId xmlns:a16="http://schemas.microsoft.com/office/drawing/2014/main" id="{97EBEAC7-3823-44D0-F11D-2D43ECD7CD2C}"/>
+                <a16:creationId xmlns:a16="http://schemas.microsoft.com/office/drawing/2014/main" id="{D94A1350-E32D-2654-D837-698932F94887}"/>
               </a:ext>
             </a:extLst>
           </p:cNvPr>
@@ -5441,7 +5442,232 @@
     </p:spTree>
     <p:extLst>
       <p:ext uri="{BB962C8B-B14F-4D97-AF65-F5344CB8AC3E}">
-        <p14:creationId xmlns:p14="http://schemas.microsoft.com/office/powerpoint/2010/main" val="2695109978"/>
+        <p14:creationId xmlns:p14="http://schemas.microsoft.com/office/powerpoint/2010/main" val="2903146916"/>
+      </p:ext>
+    </p:extLst>
+  </p:cSld>
+  <p:clrMapOvr>
+    <a:masterClrMapping/>
+  </p:clrMapOvr>
+</p:sld>
+</file>
+
+<file path=ppt/slides/slide19.xml><?xml version="1.0" encoding="utf-8"?>
+<p:sld xmlns:a="http://schemas.openxmlformats.org/drawingml/2006/main" xmlns:r="http://schemas.openxmlformats.org/officeDocument/2006/relationships" xmlns:p="http://schemas.openxmlformats.org/presentationml/2006/main">
+  <p:cSld>
+    <p:spTree>
+      <p:nvGrpSpPr>
+        <p:cNvPr id="1" name=""/>
+        <p:cNvGrpSpPr/>
+        <p:nvPr/>
+      </p:nvGrpSpPr>
+      <p:grpSpPr>
+        <a:xfrm>
+          <a:off x="0" y="0"/>
+          <a:ext cx="0" cy="0"/>
+          <a:chOff x="0" y="0"/>
+          <a:chExt cx="0" cy="0"/>
+        </a:xfrm>
+      </p:grpSpPr>
+      <p:sp>
+        <p:nvSpPr>
+          <p:cNvPr id="2" name="Titel 1">
+            <a:extLst>
+              <a:ext uri="{FF2B5EF4-FFF2-40B4-BE49-F238E27FC236}">
+                <a16:creationId xmlns:a16="http://schemas.microsoft.com/office/drawing/2014/main" id="{B9133348-A2A1-39A1-3B27-74253C6E7A6C}"/>
+              </a:ext>
+            </a:extLst>
+          </p:cNvPr>
+          <p:cNvSpPr>
+            <a:spLocks noGrp="1"/>
+          </p:cNvSpPr>
+          <p:nvPr>
+            <p:ph type="title"/>
+          </p:nvPr>
+        </p:nvSpPr>
+        <p:spPr/>
+        <p:txBody>
+          <a:bodyPr/>
+          <a:lstStyle/>
+          <a:p>
+            <a:r>
+              <a:rPr lang="de-DE" dirty="0" err="1"/>
+              <a:t>Vulnerability</a:t>
+            </a:r>
+            <a:r>
+              <a:rPr lang="de-DE" dirty="0"/>
+              <a:t> Scanning</a:t>
+            </a:r>
+          </a:p>
+        </p:txBody>
+      </p:sp>
+      <p:sp>
+        <p:nvSpPr>
+          <p:cNvPr id="3" name="Inhaltsplatzhalter 2">
+            <a:extLst>
+              <a:ext uri="{FF2B5EF4-FFF2-40B4-BE49-F238E27FC236}">
+                <a16:creationId xmlns:a16="http://schemas.microsoft.com/office/drawing/2014/main" id="{A6845004-BC2B-24FE-DC03-7E6EA09726A7}"/>
+              </a:ext>
+            </a:extLst>
+          </p:cNvPr>
+          <p:cNvSpPr>
+            <a:spLocks noGrp="1"/>
+          </p:cNvSpPr>
+          <p:nvPr>
+            <p:ph idx="1"/>
+          </p:nvPr>
+        </p:nvSpPr>
+        <p:spPr/>
+        <p:txBody>
+          <a:bodyPr/>
+          <a:lstStyle/>
+          <a:p>
+            <a:r>
+              <a:rPr lang="de-DE" dirty="0"/>
+              <a:t>SMB Login Check</a:t>
+            </a:r>
+          </a:p>
+          <a:p>
+            <a:r>
+              <a:rPr lang="de-DE" dirty="0"/>
+              <a:t>VCN Authentication</a:t>
+            </a:r>
+          </a:p>
+          <a:p>
+            <a:r>
+              <a:rPr lang="de-DE" dirty="0"/>
+              <a:t>WMAP Web Scanner</a:t>
+            </a:r>
+          </a:p>
+          <a:p>
+            <a:r>
+              <a:rPr lang="de-DE" dirty="0"/>
+              <a:t>Working </a:t>
+            </a:r>
+            <a:r>
+              <a:rPr lang="de-DE" dirty="0" err="1"/>
+              <a:t>with</a:t>
+            </a:r>
+            <a:r>
+              <a:rPr lang="de-DE" dirty="0"/>
+              <a:t> </a:t>
+            </a:r>
+            <a:r>
+              <a:rPr lang="de-DE" dirty="0" err="1"/>
+              <a:t>Nexpose</a:t>
+            </a:r>
+            <a:endParaRPr lang="de-DE" dirty="0"/>
+          </a:p>
+          <a:p>
+            <a:r>
+              <a:rPr lang="de-DE" dirty="0"/>
+              <a:t>Working </a:t>
+            </a:r>
+            <a:r>
+              <a:rPr lang="de-DE" dirty="0" err="1"/>
+              <a:t>with</a:t>
+            </a:r>
+            <a:r>
+              <a:rPr lang="de-DE" dirty="0"/>
+              <a:t> </a:t>
+            </a:r>
+            <a:r>
+              <a:rPr lang="de-DE" dirty="0" err="1"/>
+              <a:t>Nessus</a:t>
+            </a:r>
+            <a:endParaRPr lang="de-DE" dirty="0"/>
+          </a:p>
+        </p:txBody>
+      </p:sp>
+      <p:sp>
+        <p:nvSpPr>
+          <p:cNvPr id="4" name="Datumsplatzhalter 3">
+            <a:extLst>
+              <a:ext uri="{FF2B5EF4-FFF2-40B4-BE49-F238E27FC236}">
+                <a16:creationId xmlns:a16="http://schemas.microsoft.com/office/drawing/2014/main" id="{8B495479-795E-21B8-A98D-B696426712DF}"/>
+              </a:ext>
+            </a:extLst>
+          </p:cNvPr>
+          <p:cNvSpPr>
+            <a:spLocks noGrp="1"/>
+          </p:cNvSpPr>
+          <p:nvPr>
+            <p:ph type="dt" sz="half" idx="10"/>
+          </p:nvPr>
+        </p:nvSpPr>
+        <p:spPr/>
+        <p:txBody>
+          <a:bodyPr/>
+          <a:lstStyle/>
+          <a:p>
+            <a:r>
+              <a:rPr lang="de-DE"/>
+              <a:t>30.11.2022</a:t>
+            </a:r>
+          </a:p>
+        </p:txBody>
+      </p:sp>
+      <p:sp>
+        <p:nvSpPr>
+          <p:cNvPr id="5" name="Fußzeilenplatzhalter 4">
+            <a:extLst>
+              <a:ext uri="{FF2B5EF4-FFF2-40B4-BE49-F238E27FC236}">
+                <a16:creationId xmlns:a16="http://schemas.microsoft.com/office/drawing/2014/main" id="{35CAFC1F-5C83-81E3-BF5E-1FB2BEED9448}"/>
+              </a:ext>
+            </a:extLst>
+          </p:cNvPr>
+          <p:cNvSpPr>
+            <a:spLocks noGrp="1"/>
+          </p:cNvSpPr>
+          <p:nvPr>
+            <p:ph type="ftr" sz="quarter" idx="11"/>
+          </p:nvPr>
+        </p:nvSpPr>
+        <p:spPr/>
+        <p:txBody>
+          <a:bodyPr/>
+          <a:lstStyle/>
+          <a:p>
+            <a:r>
+              <a:rPr lang="de-DE"/>
+              <a:t>Metasploit - ESDE Workshop</a:t>
+            </a:r>
+          </a:p>
+        </p:txBody>
+      </p:sp>
+      <p:sp>
+        <p:nvSpPr>
+          <p:cNvPr id="6" name="Foliennummernplatzhalter 5">
+            <a:extLst>
+              <a:ext uri="{FF2B5EF4-FFF2-40B4-BE49-F238E27FC236}">
+                <a16:creationId xmlns:a16="http://schemas.microsoft.com/office/drawing/2014/main" id="{85E7CAEF-62C7-D874-468D-454924921E5D}"/>
+              </a:ext>
+            </a:extLst>
+          </p:cNvPr>
+          <p:cNvSpPr>
+            <a:spLocks noGrp="1"/>
+          </p:cNvSpPr>
+          <p:nvPr>
+            <p:ph type="sldNum" sz="quarter" idx="12"/>
+          </p:nvPr>
+        </p:nvSpPr>
+        <p:spPr/>
+        <p:txBody>
+          <a:bodyPr/>
+          <a:lstStyle/>
+          <a:p>
+            <a:fld id="{CE55A700-9FAF-4A88-9AC7-D623DED75878}" type="slidenum">
+              <a:rPr lang="de-DE" smtClean="0"/>
+              <a:t>19</a:t>
+            </a:fld>
+            <a:endParaRPr lang="de-DE"/>
+          </a:p>
+        </p:txBody>
+      </p:sp>
+    </p:spTree>
+    <p:extLst>
+      <p:ext uri="{BB962C8B-B14F-4D97-AF65-F5344CB8AC3E}">
+        <p14:creationId xmlns:p14="http://schemas.microsoft.com/office/powerpoint/2010/main" val="1919370225"/>
       </p:ext>
     </p:extLst>
   </p:cSld>
@@ -5531,6 +5757,32 @@
             </a:r>
             <a:r>
               <a:rPr lang="de-DE" dirty="0"/>
+              <a:t> </a:t>
+            </a:r>
+            <a:r>
+              <a:rPr lang="de-DE" dirty="0" err="1"/>
+              <a:t>pentesting</a:t>
+            </a:r>
+            <a:r>
+              <a:rPr lang="de-DE" dirty="0"/>
+              <a:t>?</a:t>
+            </a:r>
+          </a:p>
+          <a:p>
+            <a:r>
+              <a:rPr lang="de-DE" dirty="0" err="1"/>
+              <a:t>What</a:t>
+            </a:r>
+            <a:r>
+              <a:rPr lang="de-DE" dirty="0"/>
+              <a:t> </a:t>
+            </a:r>
+            <a:r>
+              <a:rPr lang="de-DE" dirty="0" err="1"/>
+              <a:t>is</a:t>
+            </a:r>
+            <a:r>
+              <a:rPr lang="de-DE" dirty="0"/>
               <a:t> Metasploit</a:t>
             </a:r>
           </a:p>
@@ -5638,6 +5890,171 @@
     <p:extLst>
       <p:ext uri="{BB962C8B-B14F-4D97-AF65-F5344CB8AC3E}">
         <p14:creationId xmlns:p14="http://schemas.microsoft.com/office/powerpoint/2010/main" val="3649382564"/>
+      </p:ext>
+    </p:extLst>
+  </p:cSld>
+  <p:clrMapOvr>
+    <a:masterClrMapping/>
+  </p:clrMapOvr>
+</p:sld>
+</file>
+
+<file path=ppt/slides/slide20.xml><?xml version="1.0" encoding="utf-8"?>
+<p:sld xmlns:a="http://schemas.openxmlformats.org/drawingml/2006/main" xmlns:r="http://schemas.openxmlformats.org/officeDocument/2006/relationships" xmlns:p="http://schemas.openxmlformats.org/presentationml/2006/main">
+  <p:cSld>
+    <p:spTree>
+      <p:nvGrpSpPr>
+        <p:cNvPr id="1" name=""/>
+        <p:cNvGrpSpPr/>
+        <p:nvPr/>
+      </p:nvGrpSpPr>
+      <p:grpSpPr>
+        <a:xfrm>
+          <a:off x="0" y="0"/>
+          <a:ext cx="0" cy="0"/>
+          <a:chOff x="0" y="0"/>
+          <a:chExt cx="0" cy="0"/>
+        </a:xfrm>
+      </p:grpSpPr>
+      <p:sp>
+        <p:nvSpPr>
+          <p:cNvPr id="2" name="Titel 1">
+            <a:extLst>
+              <a:ext uri="{FF2B5EF4-FFF2-40B4-BE49-F238E27FC236}">
+                <a16:creationId xmlns:a16="http://schemas.microsoft.com/office/drawing/2014/main" id="{37CB64CE-9FAF-E4CD-0E65-F7F043E64A7E}"/>
+              </a:ext>
+            </a:extLst>
+          </p:cNvPr>
+          <p:cNvSpPr>
+            <a:spLocks noGrp="1"/>
+          </p:cNvSpPr>
+          <p:nvPr>
+            <p:ph type="title"/>
+          </p:nvPr>
+        </p:nvSpPr>
+        <p:spPr/>
+        <p:txBody>
+          <a:bodyPr/>
+          <a:lstStyle/>
+          <a:p>
+            <a:endParaRPr lang="de-DE"/>
+          </a:p>
+        </p:txBody>
+      </p:sp>
+      <p:sp>
+        <p:nvSpPr>
+          <p:cNvPr id="3" name="Inhaltsplatzhalter 2">
+            <a:extLst>
+              <a:ext uri="{FF2B5EF4-FFF2-40B4-BE49-F238E27FC236}">
+                <a16:creationId xmlns:a16="http://schemas.microsoft.com/office/drawing/2014/main" id="{C1FB5D2C-96BE-E2DD-334F-8D67E1582C5F}"/>
+              </a:ext>
+            </a:extLst>
+          </p:cNvPr>
+          <p:cNvSpPr>
+            <a:spLocks noGrp="1"/>
+          </p:cNvSpPr>
+          <p:nvPr>
+            <p:ph idx="1"/>
+          </p:nvPr>
+        </p:nvSpPr>
+        <p:spPr/>
+        <p:txBody>
+          <a:bodyPr/>
+          <a:lstStyle/>
+          <a:p>
+            <a:endParaRPr lang="de-DE" dirty="0"/>
+          </a:p>
+        </p:txBody>
+      </p:sp>
+      <p:sp>
+        <p:nvSpPr>
+          <p:cNvPr id="4" name="Datumsplatzhalter 3">
+            <a:extLst>
+              <a:ext uri="{FF2B5EF4-FFF2-40B4-BE49-F238E27FC236}">
+                <a16:creationId xmlns:a16="http://schemas.microsoft.com/office/drawing/2014/main" id="{12979148-DCE1-6760-0DEF-D6D7FAA542E1}"/>
+              </a:ext>
+            </a:extLst>
+          </p:cNvPr>
+          <p:cNvSpPr>
+            <a:spLocks noGrp="1"/>
+          </p:cNvSpPr>
+          <p:nvPr>
+            <p:ph type="dt" sz="half" idx="10"/>
+          </p:nvPr>
+        </p:nvSpPr>
+        <p:spPr/>
+        <p:txBody>
+          <a:bodyPr/>
+          <a:lstStyle/>
+          <a:p>
+            <a:r>
+              <a:rPr lang="de-DE"/>
+              <a:t>30.11.2022</a:t>
+            </a:r>
+          </a:p>
+        </p:txBody>
+      </p:sp>
+      <p:sp>
+        <p:nvSpPr>
+          <p:cNvPr id="5" name="Fußzeilenplatzhalter 4">
+            <a:extLst>
+              <a:ext uri="{FF2B5EF4-FFF2-40B4-BE49-F238E27FC236}">
+                <a16:creationId xmlns:a16="http://schemas.microsoft.com/office/drawing/2014/main" id="{C8E5A838-D2CD-0E3C-7D08-5FF81E65DFC5}"/>
+              </a:ext>
+            </a:extLst>
+          </p:cNvPr>
+          <p:cNvSpPr>
+            <a:spLocks noGrp="1"/>
+          </p:cNvSpPr>
+          <p:nvPr>
+            <p:ph type="ftr" sz="quarter" idx="11"/>
+          </p:nvPr>
+        </p:nvSpPr>
+        <p:spPr/>
+        <p:txBody>
+          <a:bodyPr/>
+          <a:lstStyle/>
+          <a:p>
+            <a:r>
+              <a:rPr lang="de-DE"/>
+              <a:t>Metasploit - ESDE Workshop</a:t>
+            </a:r>
+          </a:p>
+        </p:txBody>
+      </p:sp>
+      <p:sp>
+        <p:nvSpPr>
+          <p:cNvPr id="6" name="Foliennummernplatzhalter 5">
+            <a:extLst>
+              <a:ext uri="{FF2B5EF4-FFF2-40B4-BE49-F238E27FC236}">
+                <a16:creationId xmlns:a16="http://schemas.microsoft.com/office/drawing/2014/main" id="{97EBEAC7-3823-44D0-F11D-2D43ECD7CD2C}"/>
+              </a:ext>
+            </a:extLst>
+          </p:cNvPr>
+          <p:cNvSpPr>
+            <a:spLocks noGrp="1"/>
+          </p:cNvSpPr>
+          <p:nvPr>
+            <p:ph type="sldNum" sz="quarter" idx="12"/>
+          </p:nvPr>
+        </p:nvSpPr>
+        <p:spPr/>
+        <p:txBody>
+          <a:bodyPr/>
+          <a:lstStyle/>
+          <a:p>
+            <a:fld id="{CE55A700-9FAF-4A88-9AC7-D623DED75878}" type="slidenum">
+              <a:rPr lang="de-DE" smtClean="0"/>
+              <a:t>20</a:t>
+            </a:fld>
+            <a:endParaRPr lang="de-DE"/>
+          </a:p>
+        </p:txBody>
+      </p:sp>
+    </p:spTree>
+    <p:extLst>
+      <p:ext uri="{BB962C8B-B14F-4D97-AF65-F5344CB8AC3E}">
+        <p14:creationId xmlns:p14="http://schemas.microsoft.com/office/powerpoint/2010/main" val="2695109978"/>
       </p:ext>
     </p:extLst>
   </p:cSld>
@@ -5666,10 +6083,10 @@
       </p:grpSpPr>
       <p:sp>
         <p:nvSpPr>
-          <p:cNvPr id="2" name="Titel 1">
-            <a:extLst>
-              <a:ext uri="{FF2B5EF4-FFF2-40B4-BE49-F238E27FC236}">
-                <a16:creationId xmlns:a16="http://schemas.microsoft.com/office/drawing/2014/main" id="{53832635-69EF-42AD-0E71-A1A2395E8F3B}"/>
+          <p:cNvPr id="2" name="Title 1">
+            <a:extLst>
+              <a:ext uri="{FF2B5EF4-FFF2-40B4-BE49-F238E27FC236}">
+                <a16:creationId xmlns:a16="http://schemas.microsoft.com/office/drawing/2014/main" id="{1E714157-FB10-3991-BCEE-F85274AD2C8D}"/>
               </a:ext>
             </a:extLst>
           </p:cNvPr>
@@ -5687,7 +6104,42 @@
           <a:p>
             <a:r>
               <a:rPr lang="de-DE" dirty="0" err="1"/>
-              <a:t>What</a:t>
+              <a:t>Pentesting</a:t>
+            </a:r>
+            <a:endParaRPr lang="de-DE" dirty="0"/>
+          </a:p>
+        </p:txBody>
+      </p:sp>
+      <p:sp>
+        <p:nvSpPr>
+          <p:cNvPr id="3" name="Content Placeholder 2">
+            <a:extLst>
+              <a:ext uri="{FF2B5EF4-FFF2-40B4-BE49-F238E27FC236}">
+                <a16:creationId xmlns:a16="http://schemas.microsoft.com/office/drawing/2014/main" id="{243E0BBF-696A-F7DB-765E-D5EDC5CD12F6}"/>
+              </a:ext>
+            </a:extLst>
+          </p:cNvPr>
+          <p:cNvSpPr>
+            <a:spLocks noGrp="1"/>
+          </p:cNvSpPr>
+          <p:nvPr>
+            <p:ph idx="1"/>
+          </p:nvPr>
+        </p:nvSpPr>
+        <p:spPr/>
+        <p:txBody>
+          <a:bodyPr/>
+          <a:lstStyle/>
+          <a:p>
+            <a:r>
+              <a:rPr lang="de-DE" dirty="0"/>
+              <a:t>Hacking</a:t>
+            </a:r>
+          </a:p>
+          <a:p>
+            <a:r>
+              <a:rPr lang="de-DE" dirty="0" err="1"/>
+              <a:t>Showing</a:t>
             </a:r>
             <a:r>
               <a:rPr lang="de-DE" dirty="0"/>
@@ -5695,46 +6147,32 @@
             </a:r>
             <a:r>
               <a:rPr lang="de-DE" dirty="0" err="1"/>
-              <a:t>is</a:t>
+              <a:t>weaknesses</a:t>
             </a:r>
             <a:r>
               <a:rPr lang="de-DE" dirty="0"/>
-              <a:t> Metasploit</a:t>
-            </a:r>
-          </a:p>
-        </p:txBody>
-      </p:sp>
-      <p:sp>
-        <p:nvSpPr>
-          <p:cNvPr id="3" name="Inhaltsplatzhalter 2">
-            <a:extLst>
-              <a:ext uri="{FF2B5EF4-FFF2-40B4-BE49-F238E27FC236}">
-                <a16:creationId xmlns:a16="http://schemas.microsoft.com/office/drawing/2014/main" id="{142BE9A2-44A8-DAF7-7219-32AF819E18E9}"/>
-              </a:ext>
-            </a:extLst>
-          </p:cNvPr>
-          <p:cNvSpPr>
-            <a:spLocks noGrp="1"/>
-          </p:cNvSpPr>
-          <p:nvPr>
-            <p:ph idx="1"/>
-          </p:nvPr>
-        </p:nvSpPr>
-        <p:spPr/>
-        <p:txBody>
-          <a:bodyPr/>
-          <a:lstStyle/>
-          <a:p>
-            <a:endParaRPr lang="de-DE"/>
-          </a:p>
-        </p:txBody>
-      </p:sp>
-      <p:sp>
-        <p:nvSpPr>
-          <p:cNvPr id="4" name="Datumsplatzhalter 3">
-            <a:extLst>
-              <a:ext uri="{FF2B5EF4-FFF2-40B4-BE49-F238E27FC236}">
-                <a16:creationId xmlns:a16="http://schemas.microsoft.com/office/drawing/2014/main" id="{BCA54BEF-7188-86C8-9B0A-E2EB47B6C374}"/>
+              <a:t> in </a:t>
+            </a:r>
+            <a:r>
+              <a:rPr lang="de-DE" dirty="0" err="1"/>
+              <a:t>security</a:t>
+            </a:r>
+            <a:endParaRPr lang="de-DE" dirty="0"/>
+          </a:p>
+          <a:p>
+            <a:endParaRPr lang="de-DE" dirty="0"/>
+          </a:p>
+          <a:p>
+            <a:endParaRPr lang="de-DE" dirty="0"/>
+          </a:p>
+        </p:txBody>
+      </p:sp>
+      <p:sp>
+        <p:nvSpPr>
+          <p:cNvPr id="4" name="Date Placeholder 3">
+            <a:extLst>
+              <a:ext uri="{FF2B5EF4-FFF2-40B4-BE49-F238E27FC236}">
+                <a16:creationId xmlns:a16="http://schemas.microsoft.com/office/drawing/2014/main" id="{3BC56F62-1BFB-9A43-0305-9F92D873EAC8}"/>
               </a:ext>
             </a:extLst>
           </p:cNvPr>
@@ -5759,10 +6197,10 @@
       </p:sp>
       <p:sp>
         <p:nvSpPr>
-          <p:cNvPr id="5" name="Fußzeilenplatzhalter 4">
-            <a:extLst>
-              <a:ext uri="{FF2B5EF4-FFF2-40B4-BE49-F238E27FC236}">
-                <a16:creationId xmlns:a16="http://schemas.microsoft.com/office/drawing/2014/main" id="{085141CC-314A-D845-8253-D3EF79FB3628}"/>
+          <p:cNvPr id="5" name="Footer Placeholder 4">
+            <a:extLst>
+              <a:ext uri="{FF2B5EF4-FFF2-40B4-BE49-F238E27FC236}">
+                <a16:creationId xmlns:a16="http://schemas.microsoft.com/office/drawing/2014/main" id="{FD49DC82-5DA8-FC53-7F67-4A697A6373AF}"/>
               </a:ext>
             </a:extLst>
           </p:cNvPr>
@@ -5787,10 +6225,10 @@
       </p:sp>
       <p:sp>
         <p:nvSpPr>
-          <p:cNvPr id="6" name="Foliennummernplatzhalter 5">
-            <a:extLst>
-              <a:ext uri="{FF2B5EF4-FFF2-40B4-BE49-F238E27FC236}">
-                <a16:creationId xmlns:a16="http://schemas.microsoft.com/office/drawing/2014/main" id="{B379776C-840A-5DBE-228A-2978855AC56C}"/>
+          <p:cNvPr id="6" name="Slide Number Placeholder 5">
+            <a:extLst>
+              <a:ext uri="{FF2B5EF4-FFF2-40B4-BE49-F238E27FC236}">
+                <a16:creationId xmlns:a16="http://schemas.microsoft.com/office/drawing/2014/main" id="{A7175806-7B2F-B91D-BAEC-2EB3FE292D60}"/>
               </a:ext>
             </a:extLst>
           </p:cNvPr>
@@ -5817,7 +6255,7 @@
     </p:spTree>
     <p:extLst>
       <p:ext uri="{BB962C8B-B14F-4D97-AF65-F5344CB8AC3E}">
-        <p14:creationId xmlns:p14="http://schemas.microsoft.com/office/powerpoint/2010/main" val="2178809501"/>
+        <p14:creationId xmlns:p14="http://schemas.microsoft.com/office/powerpoint/2010/main" val="3771258555"/>
       </p:ext>
     </p:extLst>
   </p:cSld>
@@ -5846,10 +6284,10 @@
       </p:grpSpPr>
       <p:sp>
         <p:nvSpPr>
-          <p:cNvPr id="2" name="Titel 1">
-            <a:extLst>
-              <a:ext uri="{FF2B5EF4-FFF2-40B4-BE49-F238E27FC236}">
-                <a16:creationId xmlns:a16="http://schemas.microsoft.com/office/drawing/2014/main" id="{818FB671-22CF-57BF-B671-40EC8EB3D463}"/>
+          <p:cNvPr id="2" name="Title 1">
+            <a:extLst>
+              <a:ext uri="{FF2B5EF4-FFF2-40B4-BE49-F238E27FC236}">
+                <a16:creationId xmlns:a16="http://schemas.microsoft.com/office/drawing/2014/main" id="{E8D022CD-3FCE-4D4A-D2FE-23FBCA74C6B5}"/>
               </a:ext>
             </a:extLst>
           </p:cNvPr>
@@ -5867,17 +6305,17 @@
           <a:p>
             <a:r>
               <a:rPr lang="de-DE" dirty="0"/>
-              <a:t>Architecture</a:t>
-            </a:r>
-          </a:p>
-        </p:txBody>
-      </p:sp>
-      <p:sp>
-        <p:nvSpPr>
-          <p:cNvPr id="3" name="Inhaltsplatzhalter 2">
-            <a:extLst>
-              <a:ext uri="{FF2B5EF4-FFF2-40B4-BE49-F238E27FC236}">
-                <a16:creationId xmlns:a16="http://schemas.microsoft.com/office/drawing/2014/main" id="{99D30E5F-4F79-B84E-35EF-0E01C9AA927A}"/>
+              <a:t>Disclaimer</a:t>
+            </a:r>
+          </a:p>
+        </p:txBody>
+      </p:sp>
+      <p:sp>
+        <p:nvSpPr>
+          <p:cNvPr id="3" name="Content Placeholder 2">
+            <a:extLst>
+              <a:ext uri="{FF2B5EF4-FFF2-40B4-BE49-F238E27FC236}">
+                <a16:creationId xmlns:a16="http://schemas.microsoft.com/office/drawing/2014/main" id="{366EFD33-CA2C-15AA-9EC2-1CBA375DAAFE}"/>
               </a:ext>
             </a:extLst>
           </p:cNvPr>
@@ -5894,51 +6332,118 @@
           <a:lstStyle/>
           <a:p>
             <a:r>
+              <a:rPr lang="de-DE" dirty="0" err="1"/>
+              <a:t>Only</a:t>
+            </a:r>
+            <a:r>
               <a:rPr lang="de-DE" dirty="0"/>
-              <a:t>Filesystem and Libraries</a:t>
-            </a:r>
-          </a:p>
-          <a:p>
+              <a:t> </a:t>
+            </a:r>
+            <a:r>
+              <a:rPr lang="de-DE" dirty="0" err="1"/>
+              <a:t>use</a:t>
+            </a:r>
             <a:r>
               <a:rPr lang="de-DE" dirty="0"/>
-              <a:t>Modules and Locations</a:t>
-            </a:r>
-          </a:p>
-          <a:p>
+              <a:t> </a:t>
+            </a:r>
+            <a:r>
+              <a:rPr lang="de-DE" dirty="0" err="1"/>
+              <a:t>the</a:t>
+            </a:r>
             <a:r>
               <a:rPr lang="de-DE" dirty="0"/>
-              <a:t>Metasploit </a:t>
+              <a:t> </a:t>
             </a:r>
             <a:r>
               <a:rPr lang="de-DE" dirty="0" err="1"/>
-              <a:t>Object</a:t>
+              <a:t>learned</a:t>
             </a:r>
             <a:r>
               <a:rPr lang="de-DE" dirty="0"/>
-              <a:t> Model</a:t>
-            </a:r>
-          </a:p>
-          <a:p>
+              <a:t> on </a:t>
+            </a:r>
             <a:r>
               <a:rPr lang="de-DE" dirty="0" err="1"/>
-              <a:t>Mixins</a:t>
+              <a:t>your</a:t>
             </a:r>
             <a:r>
               <a:rPr lang="de-DE" dirty="0"/>
-              <a:t> and Plugins</a:t>
-            </a:r>
-          </a:p>
-          <a:p>
-            <a:endParaRPr lang="de-DE" dirty="0"/>
-          </a:p>
-        </p:txBody>
-      </p:sp>
-      <p:sp>
-        <p:nvSpPr>
-          <p:cNvPr id="4" name="Datumsplatzhalter 3">
-            <a:extLst>
-              <a:ext uri="{FF2B5EF4-FFF2-40B4-BE49-F238E27FC236}">
-                <a16:creationId xmlns:a16="http://schemas.microsoft.com/office/drawing/2014/main" id="{131DFD1D-E41C-B443-948F-2E7CEF01C281}"/>
+              <a:t> own </a:t>
+            </a:r>
+            <a:r>
+              <a:rPr lang="de-DE" dirty="0" err="1"/>
+              <a:t>systems</a:t>
+            </a:r>
+            <a:r>
+              <a:rPr lang="de-DE" dirty="0"/>
+              <a:t> </a:t>
+            </a:r>
+            <a:r>
+              <a:rPr lang="de-DE" dirty="0" err="1"/>
+              <a:t>or</a:t>
+            </a:r>
+            <a:r>
+              <a:rPr lang="de-DE" dirty="0"/>
+              <a:t> </a:t>
+            </a:r>
+            <a:r>
+              <a:rPr lang="de-DE" dirty="0" err="1"/>
+              <a:t>systems</a:t>
+            </a:r>
+            <a:r>
+              <a:rPr lang="de-DE" dirty="0"/>
+              <a:t> </a:t>
+            </a:r>
+            <a:r>
+              <a:rPr lang="de-DE" dirty="0" err="1"/>
+              <a:t>which</a:t>
+            </a:r>
+            <a:r>
+              <a:rPr lang="de-DE" dirty="0"/>
+              <a:t> </a:t>
+            </a:r>
+            <a:r>
+              <a:rPr lang="de-DE" dirty="0" err="1"/>
+              <a:t>are</a:t>
+            </a:r>
+            <a:r>
+              <a:rPr lang="de-DE" dirty="0"/>
+              <a:t> </a:t>
+            </a:r>
+            <a:r>
+              <a:rPr lang="de-DE" dirty="0" err="1"/>
+              <a:t>provided</a:t>
+            </a:r>
+            <a:r>
+              <a:rPr lang="de-DE" dirty="0"/>
+              <a:t> </a:t>
+            </a:r>
+            <a:r>
+              <a:rPr lang="de-DE" dirty="0" err="1"/>
+              <a:t>for</a:t>
+            </a:r>
+            <a:r>
+              <a:rPr lang="de-DE" dirty="0"/>
+              <a:t> </a:t>
+            </a:r>
+            <a:r>
+              <a:rPr lang="de-DE" dirty="0" err="1"/>
+              <a:t>this</a:t>
+            </a:r>
+            <a:r>
+              <a:rPr lang="de-DE" dirty="0"/>
+              <a:t> </a:t>
+            </a:r>
+          </a:p>
+        </p:txBody>
+      </p:sp>
+      <p:sp>
+        <p:nvSpPr>
+          <p:cNvPr id="4" name="Date Placeholder 3">
+            <a:extLst>
+              <a:ext uri="{FF2B5EF4-FFF2-40B4-BE49-F238E27FC236}">
+                <a16:creationId xmlns:a16="http://schemas.microsoft.com/office/drawing/2014/main" id="{408A2088-5BD6-B7E3-E7FA-949E4A719E55}"/>
               </a:ext>
             </a:extLst>
           </p:cNvPr>
@@ -5963,10 +6468,10 @@
       </p:sp>
       <p:sp>
         <p:nvSpPr>
-          <p:cNvPr id="5" name="Fußzeilenplatzhalter 4">
-            <a:extLst>
-              <a:ext uri="{FF2B5EF4-FFF2-40B4-BE49-F238E27FC236}">
-                <a16:creationId xmlns:a16="http://schemas.microsoft.com/office/drawing/2014/main" id="{4233B799-3110-73FF-9E16-E73B70819669}"/>
+          <p:cNvPr id="5" name="Footer Placeholder 4">
+            <a:extLst>
+              <a:ext uri="{FF2B5EF4-FFF2-40B4-BE49-F238E27FC236}">
+                <a16:creationId xmlns:a16="http://schemas.microsoft.com/office/drawing/2014/main" id="{4F68AA30-9A90-C6F7-B619-95F29FEFEC11}"/>
               </a:ext>
             </a:extLst>
           </p:cNvPr>
@@ -5991,10 +6496,10 @@
       </p:sp>
       <p:sp>
         <p:nvSpPr>
-          <p:cNvPr id="6" name="Foliennummernplatzhalter 5">
-            <a:extLst>
-              <a:ext uri="{FF2B5EF4-FFF2-40B4-BE49-F238E27FC236}">
-                <a16:creationId xmlns:a16="http://schemas.microsoft.com/office/drawing/2014/main" id="{952B9165-9D35-800C-3678-C6FEAF043F08}"/>
+          <p:cNvPr id="6" name="Slide Number Placeholder 5">
+            <a:extLst>
+              <a:ext uri="{FF2B5EF4-FFF2-40B4-BE49-F238E27FC236}">
+                <a16:creationId xmlns:a16="http://schemas.microsoft.com/office/drawing/2014/main" id="{74FEE83E-F226-187C-C88D-E38F9CC2C301}"/>
               </a:ext>
             </a:extLst>
           </p:cNvPr>
@@ -6021,7 +6526,7 @@
     </p:spTree>
     <p:extLst>
       <p:ext uri="{BB962C8B-B14F-4D97-AF65-F5344CB8AC3E}">
-        <p14:creationId xmlns:p14="http://schemas.microsoft.com/office/powerpoint/2010/main" val="2016897172"/>
+        <p14:creationId xmlns:p14="http://schemas.microsoft.com/office/powerpoint/2010/main" val="3883196587"/>
       </p:ext>
     </p:extLst>
   </p:cSld>
@@ -6053,7 +6558,7 @@
           <p:cNvPr id="2" name="Titel 1">
             <a:extLst>
               <a:ext uri="{FF2B5EF4-FFF2-40B4-BE49-F238E27FC236}">
-                <a16:creationId xmlns:a16="http://schemas.microsoft.com/office/drawing/2014/main" id="{7F998D61-428C-3E32-18CD-4AD086A18244}"/>
+                <a16:creationId xmlns:a16="http://schemas.microsoft.com/office/drawing/2014/main" id="{53832635-69EF-42AD-0E71-A1A2395E8F3B}"/>
               </a:ext>
             </a:extLst>
           </p:cNvPr>
@@ -6070,8 +6575,20 @@
           <a:lstStyle/>
           <a:p>
             <a:r>
+              <a:rPr lang="de-DE" dirty="0" err="1"/>
+              <a:t>What</a:t>
+            </a:r>
+            <a:r>
               <a:rPr lang="de-DE" dirty="0"/>
-              <a:t>Architecture – Filesystem and Libraries</a:t>
+              <a:t> </a:t>
+            </a:r>
+            <a:r>
+              <a:rPr lang="de-DE" dirty="0" err="1"/>
+              <a:t>is</a:t>
+            </a:r>
+            <a:r>
+              <a:rPr lang="de-DE" dirty="0"/>
+              <a:t> Metasploit</a:t>
             </a:r>
           </a:p>
         </p:txBody>
@@ -6081,7 +6598,7 @@
           <p:cNvPr id="3" name="Inhaltsplatzhalter 2">
             <a:extLst>
               <a:ext uri="{FF2B5EF4-FFF2-40B4-BE49-F238E27FC236}">
-                <a16:creationId xmlns:a16="http://schemas.microsoft.com/office/drawing/2014/main" id="{DAC6A59B-659F-BF29-77CC-8135ABF51C7F}"/>
+                <a16:creationId xmlns:a16="http://schemas.microsoft.com/office/drawing/2014/main" id="{142BE9A2-44A8-DAF7-7219-32AF819E18E9}"/>
               </a:ext>
             </a:extLst>
           </p:cNvPr>
@@ -6106,7 +6623,7 @@
           <p:cNvPr id="4" name="Datumsplatzhalter 3">
             <a:extLst>
               <a:ext uri="{FF2B5EF4-FFF2-40B4-BE49-F238E27FC236}">
-                <a16:creationId xmlns:a16="http://schemas.microsoft.com/office/drawing/2014/main" id="{9719A936-0B3D-65B8-234F-F89C84CD7124}"/>
+                <a16:creationId xmlns:a16="http://schemas.microsoft.com/office/drawing/2014/main" id="{BCA54BEF-7188-86C8-9B0A-E2EB47B6C374}"/>
               </a:ext>
             </a:extLst>
           </p:cNvPr>
@@ -6134,7 +6651,7 @@
           <p:cNvPr id="5" name="Fußzeilenplatzhalter 4">
             <a:extLst>
               <a:ext uri="{FF2B5EF4-FFF2-40B4-BE49-F238E27FC236}">
-                <a16:creationId xmlns:a16="http://schemas.microsoft.com/office/drawing/2014/main" id="{97491514-938A-621C-A851-56866C1190DF}"/>
+                <a16:creationId xmlns:a16="http://schemas.microsoft.com/office/drawing/2014/main" id="{085141CC-314A-D845-8253-D3EF79FB3628}"/>
               </a:ext>
             </a:extLst>
           </p:cNvPr>
@@ -6162,7 +6679,7 @@
           <p:cNvPr id="6" name="Foliennummernplatzhalter 5">
             <a:extLst>
               <a:ext uri="{FF2B5EF4-FFF2-40B4-BE49-F238E27FC236}">
-                <a16:creationId xmlns:a16="http://schemas.microsoft.com/office/drawing/2014/main" id="{9BADC11F-C1E8-4279-C99F-DB6575198B39}"/>
+                <a16:creationId xmlns:a16="http://schemas.microsoft.com/office/drawing/2014/main" id="{B379776C-840A-5DBE-228A-2978855AC56C}"/>
               </a:ext>
             </a:extLst>
           </p:cNvPr>
@@ -6189,7 +6706,7 @@
     </p:spTree>
     <p:extLst>
       <p:ext uri="{BB962C8B-B14F-4D97-AF65-F5344CB8AC3E}">
-        <p14:creationId xmlns:p14="http://schemas.microsoft.com/office/powerpoint/2010/main" val="3256142102"/>
+        <p14:creationId xmlns:p14="http://schemas.microsoft.com/office/powerpoint/2010/main" val="2178809501"/>
       </p:ext>
     </p:extLst>
   </p:cSld>
@@ -6221,7 +6738,7 @@
           <p:cNvPr id="2" name="Titel 1">
             <a:extLst>
               <a:ext uri="{FF2B5EF4-FFF2-40B4-BE49-F238E27FC236}">
-                <a16:creationId xmlns:a16="http://schemas.microsoft.com/office/drawing/2014/main" id="{FF329F64-D2B5-70EE-B85A-E91D58E8FF5D}"/>
+                <a16:creationId xmlns:a16="http://schemas.microsoft.com/office/drawing/2014/main" id="{818FB671-22CF-57BF-B671-40EC8EB3D463}"/>
               </a:ext>
             </a:extLst>
           </p:cNvPr>
@@ -6239,7 +6756,7 @@
           <a:p>
             <a:r>
               <a:rPr lang="de-DE" dirty="0"/>
-              <a:t>Architecture – Modules and Locations</a:t>
+              <a:t>Architecture</a:t>
             </a:r>
           </a:p>
         </p:txBody>
@@ -6249,7 +6766,7 @@
           <p:cNvPr id="3" name="Inhaltsplatzhalter 2">
             <a:extLst>
               <a:ext uri="{FF2B5EF4-FFF2-40B4-BE49-F238E27FC236}">
-                <a16:creationId xmlns:a16="http://schemas.microsoft.com/office/drawing/2014/main" id="{10AC6F14-1C41-6591-3344-35D7CFB5ED64}"/>
+                <a16:creationId xmlns:a16="http://schemas.microsoft.com/office/drawing/2014/main" id="{99D30E5F-4F79-B84E-35EF-0E01C9AA927A}"/>
               </a:ext>
             </a:extLst>
           </p:cNvPr>
@@ -6265,7 +6782,43 @@
           <a:bodyPr/>
           <a:lstStyle/>
           <a:p>
-            <a:endParaRPr lang="de-DE"/>
+            <a:r>
+              <a:rPr lang="de-DE" dirty="0"/>
+              <a:t>Filesystem and Libraries</a:t>
+            </a:r>
+          </a:p>
+          <a:p>
+            <a:r>
+              <a:rPr lang="de-DE" dirty="0"/>
+              <a:t>Modules and Locations</a:t>
+            </a:r>
+          </a:p>
+          <a:p>
+            <a:r>
+              <a:rPr lang="de-DE" dirty="0"/>
+              <a:t>Metasploit </a:t>
+            </a:r>
+            <a:r>
+              <a:rPr lang="de-DE" dirty="0" err="1"/>
+              <a:t>Object</a:t>
+            </a:r>
+            <a:r>
+              <a:rPr lang="de-DE" dirty="0"/>
+              <a:t> Model</a:t>
+            </a:r>
+          </a:p>
+          <a:p>
+            <a:r>
+              <a:rPr lang="de-DE" dirty="0" err="1"/>
+              <a:t>Mixins</a:t>
+            </a:r>
+            <a:r>
+              <a:rPr lang="de-DE" dirty="0"/>
+              <a:t> and Plugins</a:t>
+            </a:r>
+          </a:p>
+          <a:p>
+            <a:endParaRPr lang="de-DE" dirty="0"/>
           </a:p>
         </p:txBody>
       </p:sp>
@@ -6274,7 +6827,7 @@
           <p:cNvPr id="4" name="Datumsplatzhalter 3">
             <a:extLst>
               <a:ext uri="{FF2B5EF4-FFF2-40B4-BE49-F238E27FC236}">
-                <a16:creationId xmlns:a16="http://schemas.microsoft.com/office/drawing/2014/main" id="{56365449-9183-62B9-2CED-DEC53B26F8EF}"/>
+                <a16:creationId xmlns:a16="http://schemas.microsoft.com/office/drawing/2014/main" id="{131DFD1D-E41C-B443-948F-2E7CEF01C281}"/>
               </a:ext>
             </a:extLst>
           </p:cNvPr>
@@ -6302,7 +6855,7 @@
           <p:cNvPr id="5" name="Fußzeilenplatzhalter 4">
             <a:extLst>
               <a:ext uri="{FF2B5EF4-FFF2-40B4-BE49-F238E27FC236}">
-                <a16:creationId xmlns:a16="http://schemas.microsoft.com/office/drawing/2014/main" id="{78F8ED1F-C599-9B10-29B4-935747E26860}"/>
+                <a16:creationId xmlns:a16="http://schemas.microsoft.com/office/drawing/2014/main" id="{4233B799-3110-73FF-9E16-E73B70819669}"/>
               </a:ext>
             </a:extLst>
           </p:cNvPr>
@@ -6330,7 +6883,7 @@
           <p:cNvPr id="6" name="Foliennummernplatzhalter 5">
             <a:extLst>
               <a:ext uri="{FF2B5EF4-FFF2-40B4-BE49-F238E27FC236}">
-                <a16:creationId xmlns:a16="http://schemas.microsoft.com/office/drawing/2014/main" id="{D9B035A1-6F7E-D58E-0138-8D4577916B20}"/>
+                <a16:creationId xmlns:a16="http://schemas.microsoft.com/office/drawing/2014/main" id="{952B9165-9D35-800C-3678-C6FEAF043F08}"/>
               </a:ext>
             </a:extLst>
           </p:cNvPr>
@@ -6357,7 +6910,7 @@
     </p:spTree>
     <p:extLst>
       <p:ext uri="{BB962C8B-B14F-4D97-AF65-F5344CB8AC3E}">
-        <p14:creationId xmlns:p14="http://schemas.microsoft.com/office/powerpoint/2010/main" val="4085197381"/>
+        <p14:creationId xmlns:p14="http://schemas.microsoft.com/office/powerpoint/2010/main" val="2016897172"/>
       </p:ext>
     </p:extLst>
   </p:cSld>
@@ -6389,7 +6942,7 @@
           <p:cNvPr id="2" name="Titel 1">
             <a:extLst>
               <a:ext uri="{FF2B5EF4-FFF2-40B4-BE49-F238E27FC236}">
-                <a16:creationId xmlns:a16="http://schemas.microsoft.com/office/drawing/2014/main" id="{FF329F64-D2B5-70EE-B85A-E91D58E8FF5D}"/>
+                <a16:creationId xmlns:a16="http://schemas.microsoft.com/office/drawing/2014/main" id="{7F998D61-428C-3E32-18CD-4AD086A18244}"/>
               </a:ext>
             </a:extLst>
           </p:cNvPr>
@@ -6407,15 +6960,7 @@
           <a:p>
             <a:r>
               <a:rPr lang="de-DE" dirty="0"/>
-              <a:t>Architecture – Metasploit </a:t>
-            </a:r>
-            <a:r>
-              <a:rPr lang="de-DE" dirty="0" err="1"/>
-              <a:t>Object</a:t>
-            </a:r>
-            <a:r>
-              <a:rPr lang="de-DE" dirty="0"/>
-              <a:t> Model</a:t>
+              <a:t>Architecture – Filesystem and Libraries</a:t>
             </a:r>
           </a:p>
         </p:txBody>
@@ -6425,7 +6970,7 @@
           <p:cNvPr id="3" name="Inhaltsplatzhalter 2">
             <a:extLst>
               <a:ext uri="{FF2B5EF4-FFF2-40B4-BE49-F238E27FC236}">
-                <a16:creationId xmlns:a16="http://schemas.microsoft.com/office/drawing/2014/main" id="{10AC6F14-1C41-6591-3344-35D7CFB5ED64}"/>
+                <a16:creationId xmlns:a16="http://schemas.microsoft.com/office/drawing/2014/main" id="{DAC6A59B-659F-BF29-77CC-8135ABF51C7F}"/>
               </a:ext>
             </a:extLst>
           </p:cNvPr>
@@ -6450,7 +6995,7 @@
           <p:cNvPr id="4" name="Datumsplatzhalter 3">
             <a:extLst>
               <a:ext uri="{FF2B5EF4-FFF2-40B4-BE49-F238E27FC236}">
-                <a16:creationId xmlns:a16="http://schemas.microsoft.com/office/drawing/2014/main" id="{BE3F27C4-9030-5A60-4181-CA6FD1DCAE9F}"/>
+                <a16:creationId xmlns:a16="http://schemas.microsoft.com/office/drawing/2014/main" id="{9719A936-0B3D-65B8-234F-F89C84CD7124}"/>
               </a:ext>
             </a:extLst>
           </p:cNvPr>
@@ -6478,7 +7023,7 @@
           <p:cNvPr id="5" name="Fußzeilenplatzhalter 4">
             <a:extLst>
               <a:ext uri="{FF2B5EF4-FFF2-40B4-BE49-F238E27FC236}">
-                <a16:creationId xmlns:a16="http://schemas.microsoft.com/office/drawing/2014/main" id="{DC8B9268-2A83-F0C9-0D93-0C621858AAEF}"/>
+                <a16:creationId xmlns:a16="http://schemas.microsoft.com/office/drawing/2014/main" id="{97491514-938A-621C-A851-56866C1190DF}"/>
               </a:ext>
             </a:extLst>
           </p:cNvPr>
@@ -6506,7 +7051,7 @@
           <p:cNvPr id="6" name="Foliennummernplatzhalter 5">
             <a:extLst>
               <a:ext uri="{FF2B5EF4-FFF2-40B4-BE49-F238E27FC236}">
-                <a16:creationId xmlns:a16="http://schemas.microsoft.com/office/drawing/2014/main" id="{7194DAA6-BB27-5974-7F65-4D5BF50C0B8C}"/>
+                <a16:creationId xmlns:a16="http://schemas.microsoft.com/office/drawing/2014/main" id="{9BADC11F-C1E8-4279-C99F-DB6575198B39}"/>
               </a:ext>
             </a:extLst>
           </p:cNvPr>
@@ -6533,7 +7078,7 @@
     </p:spTree>
     <p:extLst>
       <p:ext uri="{BB962C8B-B14F-4D97-AF65-F5344CB8AC3E}">
-        <p14:creationId xmlns:p14="http://schemas.microsoft.com/office/powerpoint/2010/main" val="889798360"/>
+        <p14:creationId xmlns:p14="http://schemas.microsoft.com/office/powerpoint/2010/main" val="3256142102"/>
       </p:ext>
     </p:extLst>
   </p:cSld>
@@ -6583,15 +7128,7 @@
           <a:p>
             <a:r>
               <a:rPr lang="de-DE" dirty="0"/>
-              <a:t>Architecture – </a:t>
-            </a:r>
-            <a:r>
-              <a:rPr lang="de-DE" dirty="0" err="1"/>
-              <a:t>Mixins</a:t>
-            </a:r>
-            <a:r>
-              <a:rPr lang="de-DE" dirty="0"/>
-              <a:t> and Plugins</a:t>
+              <a:t>Architecture – Modules and Locations</a:t>
             </a:r>
           </a:p>
         </p:txBody>
@@ -6626,7 +7163,7 @@
           <p:cNvPr id="4" name="Datumsplatzhalter 3">
             <a:extLst>
               <a:ext uri="{FF2B5EF4-FFF2-40B4-BE49-F238E27FC236}">
-                <a16:creationId xmlns:a16="http://schemas.microsoft.com/office/drawing/2014/main" id="{DEA0D08B-1108-9A93-C2E5-8DEC46443799}"/>
+                <a16:creationId xmlns:a16="http://schemas.microsoft.com/office/drawing/2014/main" id="{56365449-9183-62B9-2CED-DEC53B26F8EF}"/>
               </a:ext>
             </a:extLst>
           </p:cNvPr>
@@ -6654,7 +7191,7 @@
           <p:cNvPr id="5" name="Fußzeilenplatzhalter 4">
             <a:extLst>
               <a:ext uri="{FF2B5EF4-FFF2-40B4-BE49-F238E27FC236}">
-                <a16:creationId xmlns:a16="http://schemas.microsoft.com/office/drawing/2014/main" id="{32635A32-1C45-DD42-5A11-9A8183AA3364}"/>
+                <a16:creationId xmlns:a16="http://schemas.microsoft.com/office/drawing/2014/main" id="{78F8ED1F-C599-9B10-29B4-935747E26860}"/>
               </a:ext>
             </a:extLst>
           </p:cNvPr>
@@ -6682,7 +7219,7 @@
           <p:cNvPr id="6" name="Foliennummernplatzhalter 5">
             <a:extLst>
               <a:ext uri="{FF2B5EF4-FFF2-40B4-BE49-F238E27FC236}">
-                <a16:creationId xmlns:a16="http://schemas.microsoft.com/office/drawing/2014/main" id="{2577DDC4-19CD-F007-1D8C-78489C5C90CC}"/>
+                <a16:creationId xmlns:a16="http://schemas.microsoft.com/office/drawing/2014/main" id="{D9B035A1-6F7E-D58E-0138-8D4577916B20}"/>
               </a:ext>
             </a:extLst>
           </p:cNvPr>
@@ -6709,7 +7246,7 @@
     </p:spTree>
     <p:extLst>
       <p:ext uri="{BB962C8B-B14F-4D97-AF65-F5344CB8AC3E}">
-        <p14:creationId xmlns:p14="http://schemas.microsoft.com/office/powerpoint/2010/main" val="478550766"/>
+        <p14:creationId xmlns:p14="http://schemas.microsoft.com/office/powerpoint/2010/main" val="4085197381"/>
       </p:ext>
     </p:extLst>
   </p:cSld>
@@ -6741,7 +7278,7 @@
           <p:cNvPr id="2" name="Titel 1">
             <a:extLst>
               <a:ext uri="{FF2B5EF4-FFF2-40B4-BE49-F238E27FC236}">
-                <a16:creationId xmlns:a16="http://schemas.microsoft.com/office/drawing/2014/main" id="{E30C1CF7-F088-EDF3-37F9-78650E1D272A}"/>
+                <a16:creationId xmlns:a16="http://schemas.microsoft.com/office/drawing/2014/main" id="{FF329F64-D2B5-70EE-B85A-E91D58E8FF5D}"/>
               </a:ext>
             </a:extLst>
           </p:cNvPr>
@@ -6758,10 +7295,17 @@
           <a:lstStyle/>
           <a:p>
             <a:r>
+              <a:rPr lang="de-DE" dirty="0"/>
+              <a:t>Architecture – Metasploit </a:t>
+            </a:r>
+            <a:r>
               <a:rPr lang="de-DE" dirty="0" err="1"/>
-              <a:t>Fundamentals</a:t>
-            </a:r>
-            <a:endParaRPr lang="de-DE" dirty="0"/>
+              <a:t>Object</a:t>
+            </a:r>
+            <a:r>
+              <a:rPr lang="de-DE" dirty="0"/>
+              <a:t> Model</a:t>
+            </a:r>
           </a:p>
         </p:txBody>
       </p:sp>
@@ -6770,7 +7314,7 @@
           <p:cNvPr id="3" name="Inhaltsplatzhalter 2">
             <a:extLst>
               <a:ext uri="{FF2B5EF4-FFF2-40B4-BE49-F238E27FC236}">
-                <a16:creationId xmlns:a16="http://schemas.microsoft.com/office/drawing/2014/main" id="{69C69D14-C541-5747-E3C7-B1A20E05DC5A}"/>
+                <a16:creationId xmlns:a16="http://schemas.microsoft.com/office/drawing/2014/main" id="{10AC6F14-1C41-6591-3344-35D7CFB5ED64}"/>
               </a:ext>
             </a:extLst>
           </p:cNvPr>
@@ -6786,46 +7330,7 @@
           <a:bodyPr/>
           <a:lstStyle/>
           <a:p>
-            <a:r>
-              <a:rPr lang="de-DE" dirty="0" err="1"/>
-              <a:t>MSFcli</a:t>
-            </a:r>
-            <a:endParaRPr lang="de-DE" dirty="0"/>
-          </a:p>
-          <a:p>
-            <a:r>
-              <a:rPr lang="de-DE" dirty="0" err="1"/>
-              <a:t>MSFConsole</a:t>
-            </a:r>
-            <a:endParaRPr lang="de-DE" dirty="0"/>
-          </a:p>
-          <a:p>
-            <a:r>
-              <a:rPr lang="de-DE" dirty="0"/>
-              <a:t>Exploits</a:t>
-            </a:r>
-          </a:p>
-          <a:p>
-            <a:r>
-              <a:rPr lang="de-DE" dirty="0"/>
-              <a:t>Payload</a:t>
-            </a:r>
-          </a:p>
-          <a:p>
-            <a:r>
-              <a:rPr lang="de-DE" dirty="0"/>
-              <a:t>Databases</a:t>
-            </a:r>
-          </a:p>
-          <a:p>
-            <a:r>
-              <a:rPr lang="de-DE" dirty="0" err="1"/>
-              <a:t>Meterpreter</a:t>
-            </a:r>
-            <a:endParaRPr lang="de-DE" dirty="0"/>
-          </a:p>
-          <a:p>
-            <a:endParaRPr lang="de-DE" dirty="0"/>
+            <a:endParaRPr lang="de-DE"/>
           </a:p>
         </p:txBody>
       </p:sp>
@@ -6834,7 +7339,7 @@
           <p:cNvPr id="4" name="Datumsplatzhalter 3">
             <a:extLst>
               <a:ext uri="{FF2B5EF4-FFF2-40B4-BE49-F238E27FC236}">
-                <a16:creationId xmlns:a16="http://schemas.microsoft.com/office/drawing/2014/main" id="{38F09F71-3027-CE36-4450-1891AF7875A9}"/>
+                <a16:creationId xmlns:a16="http://schemas.microsoft.com/office/drawing/2014/main" id="{BE3F27C4-9030-5A60-4181-CA6FD1DCAE9F}"/>
               </a:ext>
             </a:extLst>
           </p:cNvPr>
@@ -6862,7 +7367,7 @@
           <p:cNvPr id="5" name="Fußzeilenplatzhalter 4">
             <a:extLst>
               <a:ext uri="{FF2B5EF4-FFF2-40B4-BE49-F238E27FC236}">
-                <a16:creationId xmlns:a16="http://schemas.microsoft.com/office/drawing/2014/main" id="{1CEB66C7-2CDE-C1C6-36EF-75CBDC770423}"/>
+                <a16:creationId xmlns:a16="http://schemas.microsoft.com/office/drawing/2014/main" id="{DC8B9268-2A83-F0C9-0D93-0C621858AAEF}"/>
               </a:ext>
             </a:extLst>
           </p:cNvPr>
@@ -6890,7 +7395,7 @@
           <p:cNvPr id="6" name="Foliennummernplatzhalter 5">
             <a:extLst>
               <a:ext uri="{FF2B5EF4-FFF2-40B4-BE49-F238E27FC236}">
-                <a16:creationId xmlns:a16="http://schemas.microsoft.com/office/drawing/2014/main" id="{E6429FE8-7B27-3D13-5D68-91873026FD64}"/>
+                <a16:creationId xmlns:a16="http://schemas.microsoft.com/office/drawing/2014/main" id="{7194DAA6-BB27-5974-7F65-4D5BF50C0B8C}"/>
               </a:ext>
             </a:extLst>
           </p:cNvPr>
@@ -6917,7 +7422,7 @@
     </p:spTree>
     <p:extLst>
       <p:ext uri="{BB962C8B-B14F-4D97-AF65-F5344CB8AC3E}">
-        <p14:creationId xmlns:p14="http://schemas.microsoft.com/office/powerpoint/2010/main" val="1608668736"/>
+        <p14:creationId xmlns:p14="http://schemas.microsoft.com/office/powerpoint/2010/main" val="889798360"/>
       </p:ext>
     </p:extLst>
   </p:cSld>
